--- a/Topicwise PDF/Exception Handling.pptx
+++ b/Topicwise PDF/Exception Handling.pptx
@@ -4,28 +4,31 @@
   <p:sldMasterIdLst>
     <p:sldMasterId id="2147483766" r:id="rId1"/>
   </p:sldMasterIdLst>
+  <p:notesMasterIdLst>
+    <p:notesMasterId r:id="rId27"/>
+  </p:notesMasterIdLst>
   <p:sldIdLst>
     <p:sldId id="256" r:id="rId2"/>
-    <p:sldId id="257" r:id="rId3"/>
+    <p:sldId id="281" r:id="rId3"/>
     <p:sldId id="258" r:id="rId4"/>
-    <p:sldId id="259" r:id="rId5"/>
-    <p:sldId id="260" r:id="rId6"/>
-    <p:sldId id="261" r:id="rId7"/>
-    <p:sldId id="262" r:id="rId8"/>
-    <p:sldId id="263" r:id="rId9"/>
-    <p:sldId id="265" r:id="rId10"/>
-    <p:sldId id="264" r:id="rId11"/>
-    <p:sldId id="266" r:id="rId12"/>
-    <p:sldId id="267" r:id="rId13"/>
-    <p:sldId id="268" r:id="rId14"/>
-    <p:sldId id="269" r:id="rId15"/>
-    <p:sldId id="270" r:id="rId16"/>
-    <p:sldId id="271" r:id="rId17"/>
-    <p:sldId id="272" r:id="rId18"/>
-    <p:sldId id="273" r:id="rId19"/>
-    <p:sldId id="274" r:id="rId20"/>
-    <p:sldId id="276" r:id="rId21"/>
-    <p:sldId id="277" r:id="rId22"/>
+    <p:sldId id="284" r:id="rId5"/>
+    <p:sldId id="285" r:id="rId6"/>
+    <p:sldId id="286" r:id="rId7"/>
+    <p:sldId id="257" r:id="rId8"/>
+    <p:sldId id="283" r:id="rId9"/>
+    <p:sldId id="262" r:id="rId10"/>
+    <p:sldId id="263" r:id="rId11"/>
+    <p:sldId id="265" r:id="rId12"/>
+    <p:sldId id="264" r:id="rId13"/>
+    <p:sldId id="266" r:id="rId14"/>
+    <p:sldId id="267" r:id="rId15"/>
+    <p:sldId id="268" r:id="rId16"/>
+    <p:sldId id="270" r:id="rId17"/>
+    <p:sldId id="271" r:id="rId18"/>
+    <p:sldId id="272" r:id="rId19"/>
+    <p:sldId id="273" r:id="rId20"/>
+    <p:sldId id="274" r:id="rId21"/>
+    <p:sldId id="282" r:id="rId22"/>
     <p:sldId id="275" r:id="rId23"/>
     <p:sldId id="278" r:id="rId24"/>
     <p:sldId id="279" r:id="rId25"/>
@@ -147,6 +150,462 @@
 </p:presentation>
 </file>
 
+<file path=ppt/notesMasters/notesMaster1.xml><?xml version="1.0" encoding="utf-8"?>
+<p:notesMaster xmlns:a="http://schemas.openxmlformats.org/drawingml/2006/main" xmlns:r="http://schemas.openxmlformats.org/officeDocument/2006/relationships" xmlns:p="http://schemas.openxmlformats.org/presentationml/2006/main">
+  <p:cSld>
+    <p:bg>
+      <p:bgRef idx="1001">
+        <a:schemeClr val="bg1"/>
+      </p:bgRef>
+    </p:bg>
+    <p:spTree>
+      <p:nvGrpSpPr>
+        <p:cNvPr id="1" name=""/>
+        <p:cNvGrpSpPr/>
+        <p:nvPr/>
+      </p:nvGrpSpPr>
+      <p:grpSpPr>
+        <a:xfrm>
+          <a:off x="0" y="0"/>
+          <a:ext cx="0" cy="0"/>
+          <a:chOff x="0" y="0"/>
+          <a:chExt cx="0" cy="0"/>
+        </a:xfrm>
+      </p:grpSpPr>
+      <p:sp>
+        <p:nvSpPr>
+          <p:cNvPr id="2" name="Header Placeholder 1"/>
+          <p:cNvSpPr>
+            <a:spLocks noGrp="1"/>
+          </p:cNvSpPr>
+          <p:nvPr>
+            <p:ph type="hdr" sz="quarter"/>
+          </p:nvPr>
+        </p:nvSpPr>
+        <p:spPr>
+          <a:xfrm>
+            <a:off x="0" y="0"/>
+            <a:ext cx="2971800" cy="458788"/>
+          </a:xfrm>
+          <a:prstGeom prst="rect">
+            <a:avLst/>
+          </a:prstGeom>
+        </p:spPr>
+        <p:txBody>
+          <a:bodyPr vert="horz" lIns="91440" tIns="45720" rIns="91440" bIns="45720" rtlCol="0"/>
+          <a:lstStyle>
+            <a:lvl1pPr algn="l">
+              <a:defRPr sz="1200"/>
+            </a:lvl1pPr>
+          </a:lstStyle>
+          <a:p>
+            <a:endParaRPr lang="en-US"/>
+          </a:p>
+        </p:txBody>
+      </p:sp>
+      <p:sp>
+        <p:nvSpPr>
+          <p:cNvPr id="3" name="Date Placeholder 2"/>
+          <p:cNvSpPr>
+            <a:spLocks noGrp="1"/>
+          </p:cNvSpPr>
+          <p:nvPr>
+            <p:ph type="dt" idx="1"/>
+          </p:nvPr>
+        </p:nvSpPr>
+        <p:spPr>
+          <a:xfrm>
+            <a:off x="3884613" y="0"/>
+            <a:ext cx="2971800" cy="458788"/>
+          </a:xfrm>
+          <a:prstGeom prst="rect">
+            <a:avLst/>
+          </a:prstGeom>
+        </p:spPr>
+        <p:txBody>
+          <a:bodyPr vert="horz" lIns="91440" tIns="45720" rIns="91440" bIns="45720" rtlCol="0"/>
+          <a:lstStyle>
+            <a:lvl1pPr algn="r">
+              <a:defRPr sz="1200"/>
+            </a:lvl1pPr>
+          </a:lstStyle>
+          <a:p>
+            <a:fld id="{0197A5F4-3943-470F-8973-426E543C9009}" type="datetimeFigureOut">
+              <a:rPr lang="en-US" smtClean="0"/>
+              <a:t>1/11/2022</a:t>
+            </a:fld>
+            <a:endParaRPr lang="en-US"/>
+          </a:p>
+        </p:txBody>
+      </p:sp>
+      <p:sp>
+        <p:nvSpPr>
+          <p:cNvPr id="4" name="Slide Image Placeholder 3"/>
+          <p:cNvSpPr>
+            <a:spLocks noGrp="1" noRot="1" noChangeAspect="1"/>
+          </p:cNvSpPr>
+          <p:nvPr>
+            <p:ph type="sldImg" idx="2"/>
+          </p:nvPr>
+        </p:nvSpPr>
+        <p:spPr>
+          <a:xfrm>
+            <a:off x="1371600" y="1143000"/>
+            <a:ext cx="4114800" cy="3086100"/>
+          </a:xfrm>
+          <a:prstGeom prst="rect">
+            <a:avLst/>
+          </a:prstGeom>
+          <a:noFill/>
+          <a:ln w="12700">
+            <a:solidFill>
+              <a:prstClr val="black"/>
+            </a:solidFill>
+          </a:ln>
+        </p:spPr>
+        <p:txBody>
+          <a:bodyPr vert="horz" lIns="91440" tIns="45720" rIns="91440" bIns="45720" rtlCol="0" anchor="ctr"/>
+          <a:lstStyle/>
+          <a:p>
+            <a:endParaRPr lang="en-US"/>
+          </a:p>
+        </p:txBody>
+      </p:sp>
+      <p:sp>
+        <p:nvSpPr>
+          <p:cNvPr id="5" name="Notes Placeholder 4"/>
+          <p:cNvSpPr>
+            <a:spLocks noGrp="1"/>
+          </p:cNvSpPr>
+          <p:nvPr>
+            <p:ph type="body" sz="quarter" idx="3"/>
+          </p:nvPr>
+        </p:nvSpPr>
+        <p:spPr>
+          <a:xfrm>
+            <a:off x="685800" y="4400550"/>
+            <a:ext cx="5486400" cy="3600450"/>
+          </a:xfrm>
+          <a:prstGeom prst="rect">
+            <a:avLst/>
+          </a:prstGeom>
+        </p:spPr>
+        <p:txBody>
+          <a:bodyPr vert="horz" lIns="91440" tIns="45720" rIns="91440" bIns="45720" rtlCol="0"/>
+          <a:lstStyle/>
+          <a:p>
+            <a:pPr lvl="0"/>
+            <a:r>
+              <a:rPr lang="en-US" smtClean="0"/>
+              <a:t>Click to edit Master text styles</a:t>
+            </a:r>
+          </a:p>
+          <a:p>
+            <a:pPr lvl="1"/>
+            <a:r>
+              <a:rPr lang="en-US" smtClean="0"/>
+              <a:t>Second level</a:t>
+            </a:r>
+          </a:p>
+          <a:p>
+            <a:pPr lvl="2"/>
+            <a:r>
+              <a:rPr lang="en-US" smtClean="0"/>
+              <a:t>Third level</a:t>
+            </a:r>
+          </a:p>
+          <a:p>
+            <a:pPr lvl="3"/>
+            <a:r>
+              <a:rPr lang="en-US" smtClean="0"/>
+              <a:t>Fourth level</a:t>
+            </a:r>
+          </a:p>
+          <a:p>
+            <a:pPr lvl="4"/>
+            <a:r>
+              <a:rPr lang="en-US" smtClean="0"/>
+              <a:t>Fifth level</a:t>
+            </a:r>
+            <a:endParaRPr lang="en-US"/>
+          </a:p>
+        </p:txBody>
+      </p:sp>
+      <p:sp>
+        <p:nvSpPr>
+          <p:cNvPr id="6" name="Footer Placeholder 5"/>
+          <p:cNvSpPr>
+            <a:spLocks noGrp="1"/>
+          </p:cNvSpPr>
+          <p:nvPr>
+            <p:ph type="ftr" sz="quarter" idx="4"/>
+          </p:nvPr>
+        </p:nvSpPr>
+        <p:spPr>
+          <a:xfrm>
+            <a:off x="0" y="8685213"/>
+            <a:ext cx="2971800" cy="458787"/>
+          </a:xfrm>
+          <a:prstGeom prst="rect">
+            <a:avLst/>
+          </a:prstGeom>
+        </p:spPr>
+        <p:txBody>
+          <a:bodyPr vert="horz" lIns="91440" tIns="45720" rIns="91440" bIns="45720" rtlCol="0" anchor="b"/>
+          <a:lstStyle>
+            <a:lvl1pPr algn="l">
+              <a:defRPr sz="1200"/>
+            </a:lvl1pPr>
+          </a:lstStyle>
+          <a:p>
+            <a:endParaRPr lang="en-US"/>
+          </a:p>
+        </p:txBody>
+      </p:sp>
+      <p:sp>
+        <p:nvSpPr>
+          <p:cNvPr id="7" name="Slide Number Placeholder 6"/>
+          <p:cNvSpPr>
+            <a:spLocks noGrp="1"/>
+          </p:cNvSpPr>
+          <p:nvPr>
+            <p:ph type="sldNum" sz="quarter" idx="5"/>
+          </p:nvPr>
+        </p:nvSpPr>
+        <p:spPr>
+          <a:xfrm>
+            <a:off x="3884613" y="8685213"/>
+            <a:ext cx="2971800" cy="458787"/>
+          </a:xfrm>
+          <a:prstGeom prst="rect">
+            <a:avLst/>
+          </a:prstGeom>
+        </p:spPr>
+        <p:txBody>
+          <a:bodyPr vert="horz" lIns="91440" tIns="45720" rIns="91440" bIns="45720" rtlCol="0" anchor="b"/>
+          <a:lstStyle>
+            <a:lvl1pPr algn="r">
+              <a:defRPr sz="1200"/>
+            </a:lvl1pPr>
+          </a:lstStyle>
+          <a:p>
+            <a:fld id="{F26A3078-8308-42F7-8A4F-CA96036521A5}" type="slidenum">
+              <a:rPr lang="en-US" smtClean="0"/>
+              <a:t>‹#›</a:t>
+            </a:fld>
+            <a:endParaRPr lang="en-US"/>
+          </a:p>
+        </p:txBody>
+      </p:sp>
+    </p:spTree>
+    <p:extLst>
+      <p:ext uri="{BB962C8B-B14F-4D97-AF65-F5344CB8AC3E}">
+        <p14:creationId xmlns:p14="http://schemas.microsoft.com/office/powerpoint/2010/main" val="128808221"/>
+      </p:ext>
+    </p:extLst>
+  </p:cSld>
+  <p:clrMap bg1="lt1" tx1="dk1" bg2="lt2" tx2="dk2" accent1="accent1" accent2="accent2" accent3="accent3" accent4="accent4" accent5="accent5" accent6="accent6" hlink="hlink" folHlink="folHlink"/>
+  <p:notesStyle>
+    <a:lvl1pPr marL="0" algn="l" defTabSz="914400" rtl="0" eaLnBrk="1" latinLnBrk="0" hangingPunct="1">
+      <a:defRPr sz="1200" kern="1200">
+        <a:solidFill>
+          <a:schemeClr val="tx1"/>
+        </a:solidFill>
+        <a:latin typeface="+mn-lt"/>
+        <a:ea typeface="+mn-ea"/>
+        <a:cs typeface="+mn-cs"/>
+      </a:defRPr>
+    </a:lvl1pPr>
+    <a:lvl2pPr marL="457200" algn="l" defTabSz="914400" rtl="0" eaLnBrk="1" latinLnBrk="0" hangingPunct="1">
+      <a:defRPr sz="1200" kern="1200">
+        <a:solidFill>
+          <a:schemeClr val="tx1"/>
+        </a:solidFill>
+        <a:latin typeface="+mn-lt"/>
+        <a:ea typeface="+mn-ea"/>
+        <a:cs typeface="+mn-cs"/>
+      </a:defRPr>
+    </a:lvl2pPr>
+    <a:lvl3pPr marL="914400" algn="l" defTabSz="914400" rtl="0" eaLnBrk="1" latinLnBrk="0" hangingPunct="1">
+      <a:defRPr sz="1200" kern="1200">
+        <a:solidFill>
+          <a:schemeClr val="tx1"/>
+        </a:solidFill>
+        <a:latin typeface="+mn-lt"/>
+        <a:ea typeface="+mn-ea"/>
+        <a:cs typeface="+mn-cs"/>
+      </a:defRPr>
+    </a:lvl3pPr>
+    <a:lvl4pPr marL="1371600" algn="l" defTabSz="914400" rtl="0" eaLnBrk="1" latinLnBrk="0" hangingPunct="1">
+      <a:defRPr sz="1200" kern="1200">
+        <a:solidFill>
+          <a:schemeClr val="tx1"/>
+        </a:solidFill>
+        <a:latin typeface="+mn-lt"/>
+        <a:ea typeface="+mn-ea"/>
+        <a:cs typeface="+mn-cs"/>
+      </a:defRPr>
+    </a:lvl4pPr>
+    <a:lvl5pPr marL="1828800" algn="l" defTabSz="914400" rtl="0" eaLnBrk="1" latinLnBrk="0" hangingPunct="1">
+      <a:defRPr sz="1200" kern="1200">
+        <a:solidFill>
+          <a:schemeClr val="tx1"/>
+        </a:solidFill>
+        <a:latin typeface="+mn-lt"/>
+        <a:ea typeface="+mn-ea"/>
+        <a:cs typeface="+mn-cs"/>
+      </a:defRPr>
+    </a:lvl5pPr>
+    <a:lvl6pPr marL="2286000" algn="l" defTabSz="914400" rtl="0" eaLnBrk="1" latinLnBrk="0" hangingPunct="1">
+      <a:defRPr sz="1200" kern="1200">
+        <a:solidFill>
+          <a:schemeClr val="tx1"/>
+        </a:solidFill>
+        <a:latin typeface="+mn-lt"/>
+        <a:ea typeface="+mn-ea"/>
+        <a:cs typeface="+mn-cs"/>
+      </a:defRPr>
+    </a:lvl6pPr>
+    <a:lvl7pPr marL="2743200" algn="l" defTabSz="914400" rtl="0" eaLnBrk="1" latinLnBrk="0" hangingPunct="1">
+      <a:defRPr sz="1200" kern="1200">
+        <a:solidFill>
+          <a:schemeClr val="tx1"/>
+        </a:solidFill>
+        <a:latin typeface="+mn-lt"/>
+        <a:ea typeface="+mn-ea"/>
+        <a:cs typeface="+mn-cs"/>
+      </a:defRPr>
+    </a:lvl7pPr>
+    <a:lvl8pPr marL="3200400" algn="l" defTabSz="914400" rtl="0" eaLnBrk="1" latinLnBrk="0" hangingPunct="1">
+      <a:defRPr sz="1200" kern="1200">
+        <a:solidFill>
+          <a:schemeClr val="tx1"/>
+        </a:solidFill>
+        <a:latin typeface="+mn-lt"/>
+        <a:ea typeface="+mn-ea"/>
+        <a:cs typeface="+mn-cs"/>
+      </a:defRPr>
+    </a:lvl8pPr>
+    <a:lvl9pPr marL="3657600" algn="l" defTabSz="914400" rtl="0" eaLnBrk="1" latinLnBrk="0" hangingPunct="1">
+      <a:defRPr sz="1200" kern="1200">
+        <a:solidFill>
+          <a:schemeClr val="tx1"/>
+        </a:solidFill>
+        <a:latin typeface="+mn-lt"/>
+        <a:ea typeface="+mn-ea"/>
+        <a:cs typeface="+mn-cs"/>
+      </a:defRPr>
+    </a:lvl9pPr>
+  </p:notesStyle>
+</p:notesMaster>
+</file>
+
+<file path=ppt/notesSlides/notesSlide1.xml><?xml version="1.0" encoding="utf-8"?>
+<p:notes xmlns:a="http://schemas.openxmlformats.org/drawingml/2006/main" xmlns:r="http://schemas.openxmlformats.org/officeDocument/2006/relationships" xmlns:p="http://schemas.openxmlformats.org/presentationml/2006/main">
+  <p:cSld>
+    <p:spTree>
+      <p:nvGrpSpPr>
+        <p:cNvPr id="1" name=""/>
+        <p:cNvGrpSpPr/>
+        <p:nvPr/>
+      </p:nvGrpSpPr>
+      <p:grpSpPr>
+        <a:xfrm>
+          <a:off x="0" y="0"/>
+          <a:ext cx="0" cy="0"/>
+          <a:chOff x="0" y="0"/>
+          <a:chExt cx="0" cy="0"/>
+        </a:xfrm>
+      </p:grpSpPr>
+      <p:sp>
+        <p:nvSpPr>
+          <p:cNvPr id="2" name="Slide Image Placeholder 1"/>
+          <p:cNvSpPr>
+            <a:spLocks noGrp="1" noRot="1" noChangeAspect="1"/>
+          </p:cNvSpPr>
+          <p:nvPr>
+            <p:ph type="sldImg"/>
+          </p:nvPr>
+        </p:nvSpPr>
+        <p:spPr/>
+      </p:sp>
+      <p:sp>
+        <p:nvSpPr>
+          <p:cNvPr id="3" name="Notes Placeholder 2"/>
+          <p:cNvSpPr>
+            <a:spLocks noGrp="1"/>
+          </p:cNvSpPr>
+          <p:nvPr>
+            <p:ph type="body" idx="1"/>
+          </p:nvPr>
+        </p:nvSpPr>
+        <p:spPr/>
+        <p:txBody>
+          <a:bodyPr/>
+          <a:lstStyle/>
+          <a:p>
+            <a:r>
+              <a:rPr lang="en-US" dirty="0" smtClean="0"/>
+              <a:t>Use to avoid the abnormal</a:t>
+            </a:r>
+            <a:r>
+              <a:rPr lang="en-US" baseline="0" dirty="0" smtClean="0"/>
+              <a:t> termination of the code </a:t>
+            </a:r>
+          </a:p>
+          <a:p>
+            <a:r>
+              <a:rPr lang="en-US" baseline="0" dirty="0" smtClean="0"/>
+              <a:t>Find errors -&gt;take cautions -&gt;fix error</a:t>
+            </a:r>
+          </a:p>
+          <a:p>
+            <a:r>
+              <a:rPr lang="en-US" baseline="0" dirty="0" smtClean="0"/>
+              <a:t>Else clause run if there is no exceptions </a:t>
+            </a:r>
+          </a:p>
+          <a:p>
+            <a:endParaRPr lang="en-US" dirty="0"/>
+          </a:p>
+        </p:txBody>
+      </p:sp>
+      <p:sp>
+        <p:nvSpPr>
+          <p:cNvPr id="4" name="Slide Number Placeholder 3"/>
+          <p:cNvSpPr>
+            <a:spLocks noGrp="1"/>
+          </p:cNvSpPr>
+          <p:nvPr>
+            <p:ph type="sldNum" sz="quarter" idx="10"/>
+          </p:nvPr>
+        </p:nvSpPr>
+        <p:spPr/>
+        <p:txBody>
+          <a:bodyPr/>
+          <a:lstStyle/>
+          <a:p>
+            <a:fld id="{F26A3078-8308-42F7-8A4F-CA96036521A5}" type="slidenum">
+              <a:rPr lang="en-US" smtClean="0"/>
+              <a:t>21</a:t>
+            </a:fld>
+            <a:endParaRPr lang="en-US"/>
+          </a:p>
+        </p:txBody>
+      </p:sp>
+    </p:spTree>
+    <p:extLst>
+      <p:ext uri="{BB962C8B-B14F-4D97-AF65-F5344CB8AC3E}">
+        <p14:creationId xmlns:p14="http://schemas.microsoft.com/office/powerpoint/2010/main" val="740684800"/>
+      </p:ext>
+    </p:extLst>
+  </p:cSld>
+  <p:clrMapOvr>
+    <a:masterClrMapping/>
+  </p:clrMapOvr>
+</p:notes>
+</file>
+
 <file path=ppt/slideLayouts/slideLayout1.xml><?xml version="1.0" encoding="utf-8"?>
 <p:sldLayout xmlns:a="http://schemas.openxmlformats.org/drawingml/2006/main" xmlns:r="http://schemas.openxmlformats.org/officeDocument/2006/relationships" xmlns:p="http://schemas.openxmlformats.org/presentationml/2006/main" type="title" preserve="1">
   <p:cSld name="Title Slide">
@@ -334,7 +793,7 @@
             <a:fld id="{D31D0DC5-02F8-4154-A180-ABC997D86F1C}" type="datetimeFigureOut">
               <a:rPr lang="en-US" smtClean="0"/>
               <a:pPr/>
-              <a:t>1/7/2022</a:t>
+              <a:t>1/11/2022</a:t>
             </a:fld>
             <a:endParaRPr lang="en-US"/>
           </a:p>
@@ -611,7 +1070,7 @@
             <a:fld id="{D31D0DC5-02F8-4154-A180-ABC997D86F1C}" type="datetimeFigureOut">
               <a:rPr lang="en-US" smtClean="0"/>
               <a:pPr/>
-              <a:t>1/7/2022</a:t>
+              <a:t>1/11/2022</a:t>
             </a:fld>
             <a:endParaRPr lang="en-US"/>
           </a:p>
@@ -807,7 +1266,7 @@
             <a:fld id="{D31D0DC5-02F8-4154-A180-ABC997D86F1C}" type="datetimeFigureOut">
               <a:rPr lang="en-US" smtClean="0"/>
               <a:pPr/>
-              <a:t>1/7/2022</a:t>
+              <a:t>1/11/2022</a:t>
             </a:fld>
             <a:endParaRPr lang="en-US"/>
           </a:p>
@@ -1082,7 +1541,7 @@
             <a:fld id="{D31D0DC5-02F8-4154-A180-ABC997D86F1C}" type="datetimeFigureOut">
               <a:rPr lang="en-US" smtClean="0"/>
               <a:pPr/>
-              <a:t>1/7/2022</a:t>
+              <a:t>1/11/2022</a:t>
             </a:fld>
             <a:endParaRPr lang="en-US"/>
           </a:p>
@@ -1425,7 +1884,7 @@
             <a:fld id="{D31D0DC5-02F8-4154-A180-ABC997D86F1C}" type="datetimeFigureOut">
               <a:rPr lang="en-US" smtClean="0"/>
               <a:pPr/>
-              <a:t>1/7/2022</a:t>
+              <a:t>1/11/2022</a:t>
             </a:fld>
             <a:endParaRPr lang="en-US"/>
           </a:p>
@@ -2050,7 +2509,7 @@
             <a:fld id="{D31D0DC5-02F8-4154-A180-ABC997D86F1C}" type="datetimeFigureOut">
               <a:rPr lang="en-US" smtClean="0"/>
               <a:pPr/>
-              <a:t>1/7/2022</a:t>
+              <a:t>1/11/2022</a:t>
             </a:fld>
             <a:endParaRPr lang="en-US"/>
           </a:p>
@@ -2912,7 +3371,7 @@
             <a:fld id="{D31D0DC5-02F8-4154-A180-ABC997D86F1C}" type="datetimeFigureOut">
               <a:rPr lang="en-US" smtClean="0"/>
               <a:pPr/>
-              <a:t>1/7/2022</a:t>
+              <a:t>1/11/2022</a:t>
             </a:fld>
             <a:endParaRPr lang="en-US"/>
           </a:p>
@@ -3084,7 +3543,7 @@
             <a:fld id="{D31D0DC5-02F8-4154-A180-ABC997D86F1C}" type="datetimeFigureOut">
               <a:rPr lang="en-US" smtClean="0"/>
               <a:pPr/>
-              <a:t>1/7/2022</a:t>
+              <a:t>1/11/2022</a:t>
             </a:fld>
             <a:endParaRPr lang="en-US"/>
           </a:p>
@@ -3266,7 +3725,7 @@
             <a:fld id="{D31D0DC5-02F8-4154-A180-ABC997D86F1C}" type="datetimeFigureOut">
               <a:rPr lang="en-US" smtClean="0"/>
               <a:pPr/>
-              <a:t>1/7/2022</a:t>
+              <a:t>1/11/2022</a:t>
             </a:fld>
             <a:endParaRPr lang="en-US"/>
           </a:p>
@@ -3438,7 +3897,7 @@
             <a:fld id="{D31D0DC5-02F8-4154-A180-ABC997D86F1C}" type="datetimeFigureOut">
               <a:rPr lang="en-US" smtClean="0"/>
               <a:pPr/>
-              <a:t>1/7/2022</a:t>
+              <a:t>1/11/2022</a:t>
             </a:fld>
             <a:endParaRPr lang="en-US"/>
           </a:p>
@@ -3687,7 +4146,7 @@
             <a:fld id="{D31D0DC5-02F8-4154-A180-ABC997D86F1C}" type="datetimeFigureOut">
               <a:rPr lang="en-US" smtClean="0"/>
               <a:pPr/>
-              <a:t>1/7/2022</a:t>
+              <a:t>1/11/2022</a:t>
             </a:fld>
             <a:endParaRPr lang="en-US"/>
           </a:p>
@@ -3981,7 +4440,7 @@
             <a:fld id="{D31D0DC5-02F8-4154-A180-ABC997D86F1C}" type="datetimeFigureOut">
               <a:rPr lang="en-US" smtClean="0"/>
               <a:pPr/>
-              <a:t>1/7/2022</a:t>
+              <a:t>1/11/2022</a:t>
             </a:fld>
             <a:endParaRPr lang="en-US"/>
           </a:p>
@@ -4427,7 +4886,7 @@
             <a:fld id="{D31D0DC5-02F8-4154-A180-ABC997D86F1C}" type="datetimeFigureOut">
               <a:rPr lang="en-US" smtClean="0"/>
               <a:pPr/>
-              <a:t>1/7/2022</a:t>
+              <a:t>1/11/2022</a:t>
             </a:fld>
             <a:endParaRPr lang="en-US"/>
           </a:p>
@@ -4547,7 +5006,7 @@
             <a:fld id="{D31D0DC5-02F8-4154-A180-ABC997D86F1C}" type="datetimeFigureOut">
               <a:rPr lang="en-US" smtClean="0"/>
               <a:pPr/>
-              <a:t>1/7/2022</a:t>
+              <a:t>1/11/2022</a:t>
             </a:fld>
             <a:endParaRPr lang="en-US"/>
           </a:p>
@@ -4644,7 +5103,7 @@
             <a:fld id="{D31D0DC5-02F8-4154-A180-ABC997D86F1C}" type="datetimeFigureOut">
               <a:rPr lang="en-US" smtClean="0"/>
               <a:pPr/>
-              <a:t>1/7/2022</a:t>
+              <a:t>1/11/2022</a:t>
             </a:fld>
             <a:endParaRPr lang="en-US"/>
           </a:p>
@@ -4925,7 +5384,7 @@
             <a:fld id="{D31D0DC5-02F8-4154-A180-ABC997D86F1C}" type="datetimeFigureOut">
               <a:rPr lang="en-US" smtClean="0"/>
               <a:pPr/>
-              <a:t>1/7/2022</a:t>
+              <a:t>1/11/2022</a:t>
             </a:fld>
             <a:endParaRPr lang="en-US"/>
           </a:p>
@@ -5202,7 +5661,7 @@
             <a:fld id="{D31D0DC5-02F8-4154-A180-ABC997D86F1C}" type="datetimeFigureOut">
               <a:rPr lang="en-US" smtClean="0"/>
               <a:pPr/>
-              <a:t>1/7/2022</a:t>
+              <a:t>1/11/2022</a:t>
             </a:fld>
             <a:endParaRPr lang="en-US"/>
           </a:p>
@@ -5769,7 +6228,7 @@
             <a:fld id="{D31D0DC5-02F8-4154-A180-ABC997D86F1C}" type="datetimeFigureOut">
               <a:rPr lang="en-US" smtClean="0"/>
               <a:pPr/>
-              <a:t>1/7/2022</a:t>
+              <a:t>1/11/2022</a:t>
             </a:fld>
             <a:endParaRPr lang="en-US"/>
           </a:p>
@@ -6310,7 +6769,7 @@
         </p:nvSpPr>
         <p:spPr>
           <a:xfrm>
-            <a:off x="800100" y="685800"/>
+            <a:off x="304800" y="1066800"/>
             <a:ext cx="6477000" cy="1828800"/>
           </a:xfrm>
         </p:spPr>
@@ -6320,12 +6779,54 @@
           <a:p>
             <a:r>
               <a:rPr lang="en-US" dirty="0" smtClean="0"/>
-              <a:t>Exceptional Handling</a:t>
-            </a:r>
-            <a:endParaRPr lang="en-US" dirty="0"/>
-          </a:p>
-        </p:txBody>
-      </p:sp>
+              <a:t>Exception Handling</a:t>
+            </a:r>
+            <a:br>
+              <a:rPr lang="en-US" dirty="0" smtClean="0"/>
+            </a:br>
+            <a:r>
+              <a:rPr lang="en-US" sz="1600" dirty="0">
+                <a:solidFill>
+                  <a:schemeClr val="accent1"/>
+                </a:solidFill>
+              </a:rPr>
+              <a:t>errors that happens during the execution of a program that could be handled </a:t>
+            </a:r>
+            <a:br>
+              <a:rPr lang="en-US" sz="1600" dirty="0">
+                <a:solidFill>
+                  <a:schemeClr val="accent1"/>
+                </a:solidFill>
+              </a:rPr>
+            </a:br>
+            <a:endParaRPr lang="en-US" sz="1600" dirty="0"/>
+          </a:p>
+        </p:txBody>
+      </p:sp>
+      <p:pic>
+        <p:nvPicPr>
+          <p:cNvPr id="5" name="Picture 4"/>
+          <p:cNvPicPr>
+            <a:picLocks noChangeAspect="1"/>
+          </p:cNvPicPr>
+          <p:nvPr/>
+        </p:nvPicPr>
+        <p:blipFill>
+          <a:blip r:embed="rId2"/>
+          <a:stretch>
+            <a:fillRect/>
+          </a:stretch>
+        </p:blipFill>
+        <p:spPr>
+          <a:xfrm rot="20650685">
+            <a:off x="1980224" y="3307966"/>
+            <a:ext cx="4951136" cy="2362200"/>
+          </a:xfrm>
+          <a:prstGeom prst="rect">
+            <a:avLst/>
+          </a:prstGeom>
+        </p:spPr>
+      </p:pic>
     </p:spTree>
   </p:cSld>
   <p:clrMapOvr>
@@ -6363,36 +6864,34 @@
         </p:nvSpPr>
         <p:spPr/>
         <p:txBody>
+          <a:bodyPr>
+            <a:normAutofit/>
+          </a:bodyPr>
+          <a:lstStyle/>
+          <a:p>
+            <a:r>
+              <a:rPr lang="en-US" sz="3200" dirty="0" smtClean="0"/>
+              <a:t>Multiple Exceptions in a Single except block</a:t>
+            </a:r>
+            <a:endParaRPr lang="en-US" sz="3200" dirty="0"/>
+          </a:p>
+        </p:txBody>
+      </p:sp>
+      <p:sp>
+        <p:nvSpPr>
+          <p:cNvPr id="3" name="Content Placeholder 2"/>
+          <p:cNvSpPr>
+            <a:spLocks noGrp="1"/>
+          </p:cNvSpPr>
+          <p:nvPr>
+            <p:ph idx="1"/>
+          </p:nvPr>
+        </p:nvSpPr>
+        <p:spPr/>
+        <p:txBody>
           <a:bodyPr/>
           <a:lstStyle/>
           <a:p>
-            <a:r>
-              <a:rPr lang="en-US" dirty="0" smtClean="0"/>
-              <a:t>2. </a:t>
-            </a:r>
-            <a:r>
-              <a:rPr lang="en-US" dirty="0" err="1" smtClean="0"/>
-              <a:t>ValueError</a:t>
-            </a:r>
-            <a:endParaRPr lang="en-US" dirty="0"/>
-          </a:p>
-        </p:txBody>
-      </p:sp>
-      <p:sp>
-        <p:nvSpPr>
-          <p:cNvPr id="3" name="Content Placeholder 2"/>
-          <p:cNvSpPr>
-            <a:spLocks noGrp="1"/>
-          </p:cNvSpPr>
-          <p:nvPr>
-            <p:ph idx="1"/>
-          </p:nvPr>
-        </p:nvSpPr>
-        <p:spPr/>
-        <p:txBody>
-          <a:bodyPr/>
-          <a:lstStyle/>
-          <a:p>
             <a:pPr>
               <a:buNone/>
             </a:pPr>
@@ -6406,8 +6905,12 @@
               <a:buNone/>
             </a:pPr>
             <a:r>
-              <a:rPr lang="en-US" dirty="0" smtClean="0"/>
-              <a:t>    n=</a:t>
+              <a:rPr lang="en-US" dirty="0"/>
+              <a:t>	</a:t>
+            </a:r>
+            <a:r>
+              <a:rPr lang="en-US" dirty="0" smtClean="0"/>
+              <a:t>n=</a:t>
             </a:r>
             <a:r>
               <a:rPr lang="en-US" dirty="0" err="1" smtClean="0"/>
@@ -6424,45 +6927,37 @@
             </a:pPr>
             <a:r>
               <a:rPr lang="en-US" dirty="0"/>
-              <a:t> </a:t>
-            </a:r>
-            <a:r>
-              <a:rPr lang="en-US" dirty="0" smtClean="0"/>
-              <a:t>   </a:t>
-            </a:r>
-            <a:r>
-              <a:rPr lang="en-US" dirty="0" smtClean="0"/>
-              <a:t>print(n</a:t>
-            </a:r>
-            <a:r>
-              <a:rPr lang="en-US" dirty="0" smtClean="0"/>
-              <a:t>**2)</a:t>
-            </a:r>
-          </a:p>
-          <a:p>
-            <a:pPr>
-              <a:buNone/>
-            </a:pPr>
-            <a:r>
-              <a:rPr lang="en-US" dirty="0" smtClean="0"/>
-              <a:t>except </a:t>
+              <a:t>	</a:t>
+            </a:r>
+            <a:r>
+              <a:rPr lang="en-US" dirty="0" smtClean="0"/>
+              <a:t>print(n**2)</a:t>
+            </a:r>
+          </a:p>
+          <a:p>
+            <a:pPr>
+              <a:buNone/>
+            </a:pPr>
+            <a:r>
+              <a:rPr lang="en-US" dirty="0" smtClean="0"/>
+              <a:t>except (KeyboardInterrupt, </a:t>
             </a:r>
             <a:r>
               <a:rPr lang="en-US" dirty="0" err="1" smtClean="0"/>
-              <a:t>ValueError</a:t>
-            </a:r>
-            <a:r>
-              <a:rPr lang="en-US" dirty="0" smtClean="0"/>
-              <a:t> as e:</a:t>
-            </a:r>
-          </a:p>
-          <a:p>
-            <a:pPr>
-              <a:buNone/>
-            </a:pPr>
-            <a:r>
-              <a:rPr lang="en-US" dirty="0" smtClean="0"/>
-              <a:t>	print(“Please Check before you enter ”,e)</a:t>
+              <a:t>ValueError,TypeError</a:t>
+            </a:r>
+            <a:r>
+              <a:rPr lang="en-US" dirty="0" smtClean="0"/>
+              <a:t>):</a:t>
+            </a:r>
+          </a:p>
+          <a:p>
+            <a:pPr>
+              <a:buNone/>
+            </a:pPr>
+            <a:r>
+              <a:rPr lang="en-US" dirty="0" smtClean="0"/>
+              <a:t>	print(“Please Check before you enter”)</a:t>
             </a:r>
           </a:p>
           <a:p>
@@ -6524,7 +7019,7 @@
           <a:p>
             <a:r>
               <a:rPr lang="en-US" dirty="0" smtClean="0"/>
-              <a:t>3.KeyboardInterrupt</a:t>
+              <a:t>1. ZeroDivisionError</a:t>
             </a:r>
             <a:endParaRPr lang="en-US" dirty="0"/>
           </a:p>
@@ -6550,16 +7045,7 @@
             </a:pPr>
             <a:r>
               <a:rPr lang="en-US" dirty="0" smtClean="0"/>
-              <a:t>try:</a:t>
-            </a:r>
-          </a:p>
-          <a:p>
-            <a:pPr>
-              <a:buNone/>
-            </a:pPr>
-            <a:r>
-              <a:rPr lang="en-US" dirty="0" smtClean="0"/>
-              <a:t>    n=</a:t>
+              <a:t> a=</a:t>
             </a:r>
             <a:r>
               <a:rPr lang="en-US" dirty="0" err="1" smtClean="0"/>
@@ -6575,54 +7061,61 @@
               <a:buNone/>
             </a:pPr>
             <a:r>
-              <a:rPr lang="en-US" dirty="0"/>
-              <a:t> </a:t>
-            </a:r>
-            <a:r>
-              <a:rPr lang="en-US" dirty="0" smtClean="0"/>
-              <a:t>   </a:t>
-            </a:r>
-            <a:r>
-              <a:rPr lang="en-US" dirty="0" smtClean="0"/>
-              <a:t>print(n</a:t>
-            </a:r>
-            <a:r>
-              <a:rPr lang="en-US" dirty="0" smtClean="0"/>
-              <a:t>**2)</a:t>
-            </a:r>
-          </a:p>
-          <a:p>
-            <a:pPr>
-              <a:buNone/>
-            </a:pPr>
-            <a:r>
-              <a:rPr lang="en-US" dirty="0" smtClean="0"/>
-              <a:t>except </a:t>
+              <a:rPr lang="en-US" dirty="0" smtClean="0"/>
+              <a:t> b=</a:t>
             </a:r>
             <a:r>
               <a:rPr lang="en-US" dirty="0" err="1" smtClean="0"/>
-              <a:t>KeyboardInterrupt</a:t>
-            </a:r>
-            <a:r>
-              <a:rPr lang="en-US" dirty="0" smtClean="0"/>
-              <a:t> as e:</a:t>
-            </a:r>
-          </a:p>
-          <a:p>
-            <a:pPr>
-              <a:buNone/>
-            </a:pPr>
-            <a:r>
-              <a:rPr lang="en-US" dirty="0" smtClean="0"/>
-              <a:t>	print(“Do not press </a:t>
-            </a:r>
-            <a:r>
-              <a:rPr lang="en-US" dirty="0" err="1" smtClean="0"/>
-              <a:t>ctrl+c</a:t>
-            </a:r>
-            <a:r>
-              <a:rPr lang="en-US" dirty="0" smtClean="0"/>
-              <a:t> ”,e)</a:t>
+              <a:t>int</a:t>
+            </a:r>
+            <a:r>
+              <a:rPr lang="en-US" dirty="0" smtClean="0"/>
+              <a:t>(input(‘Enter the number’))</a:t>
+            </a:r>
+          </a:p>
+          <a:p>
+            <a:pPr>
+              <a:buNone/>
+            </a:pPr>
+            <a:r>
+              <a:rPr lang="en-US" dirty="0" smtClean="0"/>
+              <a:t>try:</a:t>
+            </a:r>
+          </a:p>
+          <a:p>
+            <a:pPr>
+              <a:buNone/>
+            </a:pPr>
+            <a:r>
+              <a:rPr lang="en-US" dirty="0" smtClean="0"/>
+              <a:t>    c=a/b</a:t>
+            </a:r>
+          </a:p>
+          <a:p>
+            <a:pPr>
+              <a:buNone/>
+            </a:pPr>
+            <a:r>
+              <a:rPr lang="en-US" dirty="0" smtClean="0"/>
+              <a:t>	 print(c)</a:t>
+            </a:r>
+          </a:p>
+          <a:p>
+            <a:pPr>
+              <a:buNone/>
+            </a:pPr>
+            <a:r>
+              <a:rPr lang="en-US" dirty="0" smtClean="0"/>
+              <a:t>except ZeroDivisionError as e:</a:t>
+            </a:r>
+          </a:p>
+          <a:p>
+            <a:pPr>
+              <a:buNone/>
+            </a:pPr>
+            <a:r>
+              <a:rPr lang="en-US" dirty="0" smtClean="0"/>
+              <a:t>	print(“Please Check Denominator ”,e)</a:t>
             </a:r>
           </a:p>
           <a:p>
@@ -6684,11 +7177,7 @@
           <a:p>
             <a:r>
               <a:rPr lang="en-US" dirty="0" smtClean="0"/>
-              <a:t>4. </a:t>
-            </a:r>
-            <a:r>
-              <a:rPr lang="en-US" dirty="0" err="1" smtClean="0"/>
-              <a:t>TypeError</a:t>
+              <a:t>2. ValueError</a:t>
             </a:r>
             <a:endParaRPr lang="en-US" dirty="0"/>
           </a:p>
@@ -6744,57 +7233,25 @@
             </a:r>
             <a:r>
               <a:rPr lang="en-US" dirty="0" smtClean="0"/>
-              <a:t>   </a:t>
-            </a:r>
-            <a:r>
-              <a:rPr lang="en-US" dirty="0" smtClean="0"/>
-              <a:t>print(n</a:t>
-            </a:r>
-            <a:r>
-              <a:rPr lang="en-US" dirty="0" smtClean="0"/>
-              <a:t>**2+’Hello’)</a:t>
-            </a:r>
-          </a:p>
-          <a:p>
-            <a:pPr>
-              <a:buNone/>
-            </a:pPr>
-            <a:r>
-              <a:rPr lang="en-US" dirty="0" smtClean="0"/>
-              <a:t>except </a:t>
-            </a:r>
-            <a:r>
-              <a:rPr lang="en-US" dirty="0" err="1" smtClean="0"/>
-              <a:t>TypeError</a:t>
-            </a:r>
-            <a:r>
-              <a:rPr lang="en-US" dirty="0" smtClean="0"/>
-              <a:t> as e:</a:t>
-            </a:r>
-          </a:p>
-          <a:p>
-            <a:pPr>
-              <a:buNone/>
-            </a:pPr>
-            <a:r>
-              <a:rPr lang="en-US" dirty="0" smtClean="0"/>
-              <a:t>	print(“Please Check the </a:t>
-            </a:r>
-            <a:r>
-              <a:rPr lang="en-US" dirty="0" err="1" smtClean="0"/>
-              <a:t>datatype</a:t>
-            </a:r>
-            <a:r>
-              <a:rPr lang="en-US" dirty="0" smtClean="0"/>
-              <a:t> in </a:t>
-            </a:r>
-            <a:r>
-              <a:rPr lang="en-US" dirty="0" err="1" smtClean="0"/>
-              <a:t>expression”,e</a:t>
-            </a:r>
-            <a:r>
-              <a:rPr lang="en-US" dirty="0" smtClean="0"/>
-              <a:t>)</a:t>
+              <a:t>   print(n**2)</a:t>
+            </a:r>
+          </a:p>
+          <a:p>
+            <a:pPr>
+              <a:buNone/>
+            </a:pPr>
+            <a:r>
+              <a:rPr lang="en-US" dirty="0" smtClean="0"/>
+              <a:t>except ValueError as e:</a:t>
+            </a:r>
+          </a:p>
+          <a:p>
+            <a:pPr>
+              <a:buNone/>
+            </a:pPr>
+            <a:r>
+              <a:rPr lang="en-US" dirty="0" smtClean="0"/>
+              <a:t>	print(“Please Check before you enter ”,e)</a:t>
             </a:r>
           </a:p>
           <a:p>
@@ -6856,75 +7313,50 @@
           <a:p>
             <a:r>
               <a:rPr lang="en-US" dirty="0" smtClean="0"/>
-              <a:t>5. </a:t>
+              <a:t>3. KeyboardInterrupt</a:t>
+            </a:r>
+            <a:endParaRPr lang="en-US" dirty="0"/>
+          </a:p>
+        </p:txBody>
+      </p:sp>
+      <p:sp>
+        <p:nvSpPr>
+          <p:cNvPr id="3" name="Content Placeholder 2"/>
+          <p:cNvSpPr>
+            <a:spLocks noGrp="1"/>
+          </p:cNvSpPr>
+          <p:nvPr>
+            <p:ph idx="1"/>
+          </p:nvPr>
+        </p:nvSpPr>
+        <p:spPr/>
+        <p:txBody>
+          <a:bodyPr/>
+          <a:lstStyle/>
+          <a:p>
+            <a:pPr>
+              <a:buNone/>
+            </a:pPr>
+            <a:r>
+              <a:rPr lang="en-US" dirty="0" smtClean="0"/>
+              <a:t>try:</a:t>
+            </a:r>
+          </a:p>
+          <a:p>
+            <a:pPr>
+              <a:buNone/>
+            </a:pPr>
+            <a:r>
+              <a:rPr lang="en-US" dirty="0" smtClean="0"/>
+              <a:t>    n=</a:t>
             </a:r>
             <a:r>
               <a:rPr lang="en-US" dirty="0" err="1" smtClean="0"/>
-              <a:t>FileNotFoundError</a:t>
-            </a:r>
-            <a:endParaRPr lang="en-US" dirty="0"/>
-          </a:p>
-        </p:txBody>
-      </p:sp>
-      <p:sp>
-        <p:nvSpPr>
-          <p:cNvPr id="3" name="Content Placeholder 2"/>
-          <p:cNvSpPr>
-            <a:spLocks noGrp="1"/>
-          </p:cNvSpPr>
-          <p:nvPr>
-            <p:ph idx="1"/>
-          </p:nvPr>
-        </p:nvSpPr>
-        <p:spPr/>
-        <p:txBody>
-          <a:bodyPr/>
-          <a:lstStyle/>
-          <a:p>
-            <a:pPr>
-              <a:buNone/>
-            </a:pPr>
-            <a:r>
-              <a:rPr lang="en-US" dirty="0" err="1" smtClean="0"/>
-              <a:t>fname</a:t>
-            </a:r>
-            <a:r>
-              <a:rPr lang="en-US" dirty="0" smtClean="0"/>
-              <a:t>=input(“Enter the filename”)</a:t>
-            </a:r>
-          </a:p>
-          <a:p>
-            <a:pPr>
-              <a:buNone/>
-            </a:pPr>
-            <a:r>
-              <a:rPr lang="en-US" dirty="0" smtClean="0"/>
-              <a:t>try:</a:t>
-            </a:r>
-          </a:p>
-          <a:p>
-            <a:pPr>
-              <a:buNone/>
-            </a:pPr>
-            <a:r>
-              <a:rPr lang="en-US" dirty="0" smtClean="0"/>
-              <a:t>    </a:t>
-            </a:r>
-            <a:r>
-              <a:rPr lang="en-US" dirty="0" err="1" smtClean="0"/>
-              <a:t>fp</a:t>
-            </a:r>
-            <a:r>
-              <a:rPr lang="en-US" dirty="0" smtClean="0"/>
-              <a:t>=open(</a:t>
-            </a:r>
-            <a:r>
-              <a:rPr lang="en-US" dirty="0" err="1" smtClean="0"/>
-              <a:t>fname,’r</a:t>
-            </a:r>
-            <a:r>
-              <a:rPr lang="en-US" dirty="0" smtClean="0"/>
-              <a:t>’)</a:t>
+              <a:t>int</a:t>
+            </a:r>
+            <a:r>
+              <a:rPr lang="en-US" dirty="0" smtClean="0"/>
+              <a:t>(input(‘Enter the number’))</a:t>
             </a:r>
           </a:p>
           <a:p>
@@ -6937,45 +7369,33 @@
             </a:r>
             <a:r>
               <a:rPr lang="en-US" dirty="0" smtClean="0"/>
-              <a:t>   </a:t>
-            </a:r>
-            <a:r>
-              <a:rPr lang="en-US" dirty="0" smtClean="0"/>
-              <a:t>print(</a:t>
+              <a:t>   print(n**2)</a:t>
+            </a:r>
+          </a:p>
+          <a:p>
+            <a:pPr>
+              <a:buNone/>
+            </a:pPr>
+            <a:r>
+              <a:rPr lang="en-US" dirty="0" smtClean="0"/>
+              <a:t>except KeyboardInterrupt as e:</a:t>
+            </a:r>
+          </a:p>
+          <a:p>
+            <a:pPr>
+              <a:buNone/>
+            </a:pPr>
+            <a:r>
+              <a:rPr lang="en-US" dirty="0" smtClean="0"/>
+              <a:t>	print(“Do not press </a:t>
             </a:r>
             <a:r>
               <a:rPr lang="en-US" dirty="0" err="1" smtClean="0"/>
-              <a:t>fp.read</a:t>
-            </a:r>
-            <a:r>
-              <a:rPr lang="en-US" dirty="0" smtClean="0"/>
-              <a:t>())</a:t>
-            </a:r>
-          </a:p>
-          <a:p>
-            <a:pPr>
-              <a:buNone/>
-            </a:pPr>
-            <a:r>
-              <a:rPr lang="en-US" dirty="0" smtClean="0"/>
-              <a:t>except </a:t>
-            </a:r>
-            <a:r>
-              <a:rPr lang="en-US" dirty="0" err="1" smtClean="0"/>
-              <a:t>FileNotFoundError</a:t>
-            </a:r>
-            <a:r>
-              <a:rPr lang="en-US" dirty="0" smtClean="0"/>
-              <a:t> as e:</a:t>
-            </a:r>
-          </a:p>
-          <a:p>
-            <a:pPr>
-              <a:buNone/>
-            </a:pPr>
-            <a:r>
-              <a:rPr lang="en-US" dirty="0" smtClean="0"/>
-              <a:t>	print(“Please Check before you enter ”,e)</a:t>
+              <a:t>ctrl+c</a:t>
+            </a:r>
+            <a:r>
+              <a:rPr lang="en-US" dirty="0" smtClean="0"/>
+              <a:t> ”,e)</a:t>
             </a:r>
           </a:p>
           <a:p>
@@ -7037,75 +7457,50 @@
           <a:p>
             <a:r>
               <a:rPr lang="en-US" dirty="0" smtClean="0"/>
-              <a:t>6. </a:t>
+              <a:t>4. TypeError</a:t>
+            </a:r>
+            <a:endParaRPr lang="en-US" dirty="0"/>
+          </a:p>
+        </p:txBody>
+      </p:sp>
+      <p:sp>
+        <p:nvSpPr>
+          <p:cNvPr id="3" name="Content Placeholder 2"/>
+          <p:cNvSpPr>
+            <a:spLocks noGrp="1"/>
+          </p:cNvSpPr>
+          <p:nvPr>
+            <p:ph idx="1"/>
+          </p:nvPr>
+        </p:nvSpPr>
+        <p:spPr/>
+        <p:txBody>
+          <a:bodyPr/>
+          <a:lstStyle/>
+          <a:p>
+            <a:pPr>
+              <a:buNone/>
+            </a:pPr>
+            <a:r>
+              <a:rPr lang="en-US" dirty="0" smtClean="0"/>
+              <a:t>try:</a:t>
+            </a:r>
+          </a:p>
+          <a:p>
+            <a:pPr>
+              <a:buNone/>
+            </a:pPr>
+            <a:r>
+              <a:rPr lang="en-US" dirty="0" smtClean="0"/>
+              <a:t>    n=</a:t>
             </a:r>
             <a:r>
               <a:rPr lang="en-US" dirty="0" err="1" smtClean="0"/>
-              <a:t>PermissionError</a:t>
-            </a:r>
-            <a:endParaRPr lang="en-US" dirty="0"/>
-          </a:p>
-        </p:txBody>
-      </p:sp>
-      <p:sp>
-        <p:nvSpPr>
-          <p:cNvPr id="3" name="Content Placeholder 2"/>
-          <p:cNvSpPr>
-            <a:spLocks noGrp="1"/>
-          </p:cNvSpPr>
-          <p:nvPr>
-            <p:ph idx="1"/>
-          </p:nvPr>
-        </p:nvSpPr>
-        <p:spPr/>
-        <p:txBody>
-          <a:bodyPr/>
-          <a:lstStyle/>
-          <a:p>
-            <a:pPr>
-              <a:buNone/>
-            </a:pPr>
-            <a:r>
-              <a:rPr lang="en-US" dirty="0" err="1" smtClean="0"/>
-              <a:t>fname</a:t>
-            </a:r>
-            <a:r>
-              <a:rPr lang="en-US" dirty="0" smtClean="0"/>
-              <a:t>=input(“Enter the filename”)</a:t>
-            </a:r>
-          </a:p>
-          <a:p>
-            <a:pPr>
-              <a:buNone/>
-            </a:pPr>
-            <a:r>
-              <a:rPr lang="en-US" dirty="0" smtClean="0"/>
-              <a:t>try:</a:t>
-            </a:r>
-          </a:p>
-          <a:p>
-            <a:pPr>
-              <a:buNone/>
-            </a:pPr>
-            <a:r>
-              <a:rPr lang="en-US" dirty="0" smtClean="0"/>
-              <a:t>    </a:t>
-            </a:r>
-            <a:r>
-              <a:rPr lang="en-US" dirty="0" err="1" smtClean="0"/>
-              <a:t>fp</a:t>
-            </a:r>
-            <a:r>
-              <a:rPr lang="en-US" dirty="0" smtClean="0"/>
-              <a:t>=open(</a:t>
-            </a:r>
-            <a:r>
-              <a:rPr lang="en-US" dirty="0" err="1" smtClean="0"/>
-              <a:t>fname,’w</a:t>
-            </a:r>
-            <a:r>
-              <a:rPr lang="en-US" dirty="0" smtClean="0"/>
-              <a:t>’)</a:t>
+              <a:t>int</a:t>
+            </a:r>
+            <a:r>
+              <a:rPr lang="en-US" dirty="0" smtClean="0"/>
+              <a:t>(input(‘Enter the number’))</a:t>
             </a:r>
           </a:p>
           <a:p>
@@ -7118,66 +7513,41 @@
             </a:r>
             <a:r>
               <a:rPr lang="en-US" dirty="0" smtClean="0"/>
-              <a:t>   </a:t>
+              <a:t>   print(n**2+’Hello’)</a:t>
+            </a:r>
+          </a:p>
+          <a:p>
+            <a:pPr>
+              <a:buNone/>
+            </a:pPr>
+            <a:r>
+              <a:rPr lang="en-US" dirty="0" smtClean="0"/>
+              <a:t>except TypeError as e:</a:t>
+            </a:r>
+          </a:p>
+          <a:p>
+            <a:pPr>
+              <a:buNone/>
+            </a:pPr>
+            <a:r>
+              <a:rPr lang="en-US" dirty="0" smtClean="0"/>
+              <a:t>	print(“Please Check the </a:t>
             </a:r>
             <a:r>
               <a:rPr lang="en-US" dirty="0" err="1" smtClean="0"/>
-              <a:t>fp.write</a:t>
-            </a:r>
-            <a:r>
-              <a:rPr lang="en-US" dirty="0" smtClean="0"/>
-              <a:t>(‘</a:t>
+              <a:t>datatype</a:t>
+            </a:r>
+            <a:r>
+              <a:rPr lang="en-US" dirty="0" smtClean="0"/>
+              <a:t> in </a:t>
             </a:r>
             <a:r>
               <a:rPr lang="en-US" dirty="0" err="1" smtClean="0"/>
-              <a:t>piyush</a:t>
-            </a:r>
-            <a:r>
-              <a:rPr lang="en-US" dirty="0" smtClean="0"/>
-              <a:t>’)</a:t>
-            </a:r>
-          </a:p>
-          <a:p>
-            <a:pPr>
-              <a:buNone/>
-            </a:pPr>
-            <a:r>
-              <a:rPr lang="en-US" dirty="0" smtClean="0"/>
-              <a:t>    </a:t>
-            </a:r>
-            <a:r>
-              <a:rPr lang="en-US" dirty="0" err="1" smtClean="0"/>
-              <a:t>fp.close</a:t>
-            </a:r>
-            <a:r>
-              <a:rPr lang="en-US" dirty="0" smtClean="0"/>
-              <a:t>()</a:t>
-            </a:r>
-          </a:p>
-          <a:p>
-            <a:pPr>
-              <a:buNone/>
-            </a:pPr>
-            <a:r>
-              <a:rPr lang="en-US" dirty="0" smtClean="0"/>
-              <a:t>except </a:t>
-            </a:r>
-            <a:r>
-              <a:rPr lang="en-US" dirty="0" err="1" smtClean="0"/>
-              <a:t>PermissionError</a:t>
-            </a:r>
-            <a:r>
-              <a:rPr lang="en-US" dirty="0" smtClean="0"/>
-              <a:t> as e:</a:t>
-            </a:r>
-          </a:p>
-          <a:p>
-            <a:pPr>
-              <a:buNone/>
-            </a:pPr>
-            <a:r>
-              <a:rPr lang="en-US" dirty="0" smtClean="0"/>
-              <a:t>	print(“Please Check the Permission of file ”,e)</a:t>
+              <a:t>expression”,e</a:t>
+            </a:r>
+            <a:r>
+              <a:rPr lang="en-US" dirty="0" smtClean="0"/>
+              <a:t>)</a:t>
             </a:r>
           </a:p>
           <a:p>
@@ -7239,11 +7609,11 @@
           <a:p>
             <a:r>
               <a:rPr lang="en-US" dirty="0" smtClean="0"/>
-              <a:t>7. </a:t>
+              <a:t>5. </a:t>
             </a:r>
             <a:r>
               <a:rPr lang="en-US" dirty="0" err="1" smtClean="0"/>
-              <a:t>IndexError</a:t>
+              <a:t>FileNotFoundError</a:t>
             </a:r>
             <a:endParaRPr lang="en-US" dirty="0"/>
           </a:p>
@@ -7268,8 +7638,12 @@
               <a:buNone/>
             </a:pPr>
             <a:r>
-              <a:rPr lang="en-US" dirty="0" smtClean="0"/>
-              <a:t>L=[1,2,3,4]</a:t>
+              <a:rPr lang="en-US" dirty="0" err="1" smtClean="0"/>
+              <a:t>fname</a:t>
+            </a:r>
+            <a:r>
+              <a:rPr lang="en-US" dirty="0" smtClean="0"/>
+              <a:t>=input(“Enter the filename”)</a:t>
             </a:r>
           </a:p>
           <a:p>
@@ -7287,7 +7661,44 @@
             </a:pPr>
             <a:r>
               <a:rPr lang="en-US" dirty="0" smtClean="0"/>
-              <a:t>	 print(L[9])</a:t>
+              <a:t>    </a:t>
+            </a:r>
+            <a:r>
+              <a:rPr lang="en-US" dirty="0" err="1" smtClean="0"/>
+              <a:t>fp</a:t>
+            </a:r>
+            <a:r>
+              <a:rPr lang="en-US" dirty="0" smtClean="0"/>
+              <a:t>=open(</a:t>
+            </a:r>
+            <a:r>
+              <a:rPr lang="en-US" dirty="0" err="1" smtClean="0"/>
+              <a:t>fname,’r</a:t>
+            </a:r>
+            <a:r>
+              <a:rPr lang="en-US" dirty="0" smtClean="0"/>
+              <a:t>’)</a:t>
+            </a:r>
+          </a:p>
+          <a:p>
+            <a:pPr>
+              <a:buNone/>
+            </a:pPr>
+            <a:r>
+              <a:rPr lang="en-US" dirty="0"/>
+              <a:t> </a:t>
+            </a:r>
+            <a:r>
+              <a:rPr lang="en-US" dirty="0" smtClean="0"/>
+              <a:t>   print(</a:t>
+            </a:r>
+            <a:r>
+              <a:rPr lang="en-US" dirty="0" err="1" smtClean="0"/>
+              <a:t>fp.read</a:t>
+            </a:r>
+            <a:r>
+              <a:rPr lang="en-US" dirty="0" smtClean="0"/>
+              <a:t>())</a:t>
             </a:r>
           </a:p>
           <a:p>
@@ -7300,7 +7711,7 @@
             </a:r>
             <a:r>
               <a:rPr lang="en-US" dirty="0" err="1" smtClean="0"/>
-              <a:t>IndexError</a:t>
+              <a:t>FileNotFoundError</a:t>
             </a:r>
             <a:r>
               <a:rPr lang="en-US" dirty="0" smtClean="0"/>
@@ -7313,15 +7724,7 @@
             </a:pPr>
             <a:r>
               <a:rPr lang="en-US" dirty="0" smtClean="0"/>
-              <a:t>	</a:t>
-            </a:r>
-            <a:r>
-              <a:rPr lang="en-US" dirty="0" smtClean="0"/>
-              <a:t> print</a:t>
-            </a:r>
-            <a:r>
-              <a:rPr lang="en-US" dirty="0" smtClean="0"/>
-              <a:t>(“Please Check the index ”,e)</a:t>
+              <a:t>	print(“Please Check before you enter ”,e)</a:t>
             </a:r>
           </a:p>
           <a:p>
@@ -7332,12 +7735,6 @@
               <a:rPr lang="en-US" dirty="0" smtClean="0"/>
               <a:t>print(“Bye”)</a:t>
             </a:r>
-          </a:p>
-          <a:p>
-            <a:pPr>
-              <a:buNone/>
-            </a:pPr>
-            <a:endParaRPr lang="en-US" dirty="0" smtClean="0"/>
           </a:p>
           <a:p>
             <a:pPr>
@@ -7388,8 +7785,12 @@
           <a:lstStyle/>
           <a:p>
             <a:r>
-              <a:rPr lang="en-US" dirty="0" smtClean="0"/>
-              <a:t>8.NameError</a:t>
+              <a:rPr lang="en-US" dirty="0"/>
+              <a:t>6</a:t>
+            </a:r>
+            <a:r>
+              <a:rPr lang="en-US" dirty="0" smtClean="0"/>
+              <a:t>. IndexError</a:t>
             </a:r>
             <a:endParaRPr lang="en-US" dirty="0"/>
           </a:p>
@@ -7413,60 +7814,61 @@
             <a:pPr>
               <a:buNone/>
             </a:pPr>
+            <a:r>
+              <a:rPr lang="en-US" dirty="0" smtClean="0"/>
+              <a:t>L=[1,2,3,4]</a:t>
+            </a:r>
+          </a:p>
+          <a:p>
+            <a:pPr>
+              <a:buNone/>
+            </a:pPr>
+            <a:r>
+              <a:rPr lang="en-US" dirty="0" smtClean="0"/>
+              <a:t>try:</a:t>
+            </a:r>
+          </a:p>
+          <a:p>
+            <a:pPr>
+              <a:buNone/>
+            </a:pPr>
+            <a:r>
+              <a:rPr lang="en-US" dirty="0" smtClean="0"/>
+              <a:t>	 print(L[9])</a:t>
+            </a:r>
+          </a:p>
+          <a:p>
+            <a:pPr>
+              <a:buNone/>
+            </a:pPr>
+            <a:r>
+              <a:rPr lang="en-US" dirty="0" smtClean="0"/>
+              <a:t>except IndexError as e:</a:t>
+            </a:r>
+          </a:p>
+          <a:p>
+            <a:pPr>
+              <a:buNone/>
+            </a:pPr>
+            <a:r>
+              <a:rPr lang="en-US" dirty="0" smtClean="0"/>
+              <a:t>	 print(“Please Check the index ”,e)</a:t>
+            </a:r>
+          </a:p>
+          <a:p>
+            <a:pPr>
+              <a:buNone/>
+            </a:pPr>
+            <a:r>
+              <a:rPr lang="en-US" dirty="0" smtClean="0"/>
+              <a:t>print(“Bye”)</a:t>
+            </a:r>
+          </a:p>
+          <a:p>
+            <a:pPr>
+              <a:buNone/>
+            </a:pPr>
             <a:endParaRPr lang="en-US" dirty="0" smtClean="0"/>
-          </a:p>
-          <a:p>
-            <a:pPr>
-              <a:buNone/>
-            </a:pPr>
-            <a:r>
-              <a:rPr lang="en-US" dirty="0" smtClean="0"/>
-              <a:t>try:</a:t>
-            </a:r>
-          </a:p>
-          <a:p>
-            <a:pPr>
-              <a:buNone/>
-            </a:pPr>
-            <a:r>
-              <a:rPr lang="en-US" dirty="0" smtClean="0"/>
-              <a:t>    print(a)</a:t>
-            </a:r>
-          </a:p>
-          <a:p>
-            <a:pPr>
-              <a:buNone/>
-            </a:pPr>
-            <a:r>
-              <a:rPr lang="en-US" dirty="0" smtClean="0"/>
-              <a:t>except </a:t>
-            </a:r>
-            <a:r>
-              <a:rPr lang="en-US" dirty="0" err="1" smtClean="0"/>
-              <a:t>NameError</a:t>
-            </a:r>
-            <a:r>
-              <a:rPr lang="en-US" dirty="0" smtClean="0"/>
-              <a:t> as e:</a:t>
-            </a:r>
-          </a:p>
-          <a:p>
-            <a:pPr>
-              <a:buNone/>
-            </a:pPr>
-            <a:r>
-              <a:rPr lang="en-US" dirty="0" smtClean="0"/>
-              <a:t>	print(“Please Check the variable a ”,e)</a:t>
-            </a:r>
-          </a:p>
-          <a:p>
-            <a:pPr>
-              <a:buNone/>
-            </a:pPr>
-            <a:r>
-              <a:rPr lang="en-US" dirty="0" smtClean="0"/>
-              <a:t>print(“Bye”)</a:t>
-            </a:r>
           </a:p>
           <a:p>
             <a:pPr>
@@ -7517,12 +7919,12 @@
           <a:lstStyle/>
           <a:p>
             <a:r>
-              <a:rPr lang="en-US" dirty="0" smtClean="0"/>
-              <a:t>9. </a:t>
-            </a:r>
-            <a:r>
-              <a:rPr lang="en-US" dirty="0" err="1" smtClean="0"/>
-              <a:t>KeyError</a:t>
+              <a:rPr lang="en-US" dirty="0"/>
+              <a:t>7</a:t>
+            </a:r>
+            <a:r>
+              <a:rPr lang="en-US" dirty="0" smtClean="0"/>
+              <a:t>.NameError</a:t>
             </a:r>
             <a:endParaRPr lang="en-US" dirty="0"/>
           </a:p>
@@ -7546,10 +7948,7 @@
             <a:pPr>
               <a:buNone/>
             </a:pPr>
-            <a:r>
-              <a:rPr lang="en-US" dirty="0" smtClean="0"/>
-              <a:t>D={1:1,2:8,3:27,4:64}</a:t>
-            </a:r>
+            <a:endParaRPr lang="en-US" dirty="0" smtClean="0"/>
           </a:p>
           <a:p>
             <a:pPr>
@@ -7566,33 +7965,25 @@
             </a:pPr>
             <a:r>
               <a:rPr lang="en-US" dirty="0" smtClean="0"/>
-              <a:t>	 print(D[5])</a:t>
-            </a:r>
-          </a:p>
-          <a:p>
-            <a:pPr>
-              <a:buNone/>
-            </a:pPr>
-            <a:r>
-              <a:rPr lang="en-US" dirty="0" smtClean="0"/>
-              <a:t>except </a:t>
-            </a:r>
-            <a:r>
-              <a:rPr lang="en-US" dirty="0" err="1" smtClean="0"/>
-              <a:t>KeyError</a:t>
-            </a:r>
-            <a:r>
-              <a:rPr lang="en-US" dirty="0" smtClean="0"/>
-              <a:t> as e:</a:t>
-            </a:r>
-          </a:p>
-          <a:p>
-            <a:pPr>
-              <a:buNone/>
-            </a:pPr>
-            <a:r>
-              <a:rPr lang="en-US" dirty="0" smtClean="0"/>
-              <a:t>	print(“Please Check the key exists or not ”,e)</a:t>
+              <a:t>    print(a)</a:t>
+            </a:r>
+          </a:p>
+          <a:p>
+            <a:pPr>
+              <a:buNone/>
+            </a:pPr>
+            <a:r>
+              <a:rPr lang="en-US" dirty="0" smtClean="0"/>
+              <a:t>except NameError as e:</a:t>
+            </a:r>
+          </a:p>
+          <a:p>
+            <a:pPr>
+              <a:buNone/>
+            </a:pPr>
+            <a:r>
+              <a:rPr lang="en-US" dirty="0" smtClean="0"/>
+              <a:t>	print(“Please Check the variable a ”,e)</a:t>
             </a:r>
           </a:p>
           <a:p>
@@ -7652,10 +8043,13 @@
           <a:bodyPr/>
           <a:lstStyle/>
           <a:p>
-            <a:pPr algn="ctr"/>
-            <a:r>
-              <a:rPr lang="en-US" dirty="0" smtClean="0"/>
-              <a:t>Raising Exceptions</a:t>
+            <a:r>
+              <a:rPr lang="en-US" dirty="0"/>
+              <a:t>8</a:t>
+            </a:r>
+            <a:r>
+              <a:rPr lang="en-US" dirty="0" smtClean="0"/>
+              <a:t>. KeyError</a:t>
             </a:r>
             <a:endParaRPr lang="en-US" dirty="0"/>
           </a:p>
@@ -7673,134 +8067,66 @@
         </p:nvSpPr>
         <p:spPr/>
         <p:txBody>
-          <a:bodyPr>
-            <a:normAutofit fontScale="92500" lnSpcReduction="10000"/>
-          </a:bodyPr>
-          <a:lstStyle/>
-          <a:p>
-            <a:r>
-              <a:rPr lang="en-US" dirty="0" smtClean="0"/>
-              <a:t>We can deliberately raise an exception using the </a:t>
-            </a:r>
-            <a:r>
-              <a:rPr lang="en-US" dirty="0" smtClean="0">
-                <a:solidFill>
-                  <a:srgbClr val="FF0000"/>
-                </a:solidFill>
-              </a:rPr>
-              <a:t>raise</a:t>
-            </a:r>
-            <a:r>
-              <a:rPr lang="en-US" dirty="0" smtClean="0"/>
-              <a:t> keyword</a:t>
-            </a:r>
-          </a:p>
-          <a:p>
-            <a:r>
-              <a:rPr lang="en-US" dirty="0" smtClean="0"/>
-              <a:t>Syntax</a:t>
-            </a:r>
-          </a:p>
-          <a:p>
-            <a:pPr>
-              <a:buNone/>
-            </a:pPr>
-            <a:r>
-              <a:rPr lang="en-US" dirty="0" smtClean="0"/>
-              <a:t>    </a:t>
-            </a:r>
-            <a:r>
-              <a:rPr lang="en-US" dirty="0" smtClean="0">
-                <a:solidFill>
-                  <a:srgbClr val="FF0000"/>
-                </a:solidFill>
-              </a:rPr>
-              <a:t>raise [Exception [</a:t>
-            </a:r>
-            <a:r>
-              <a:rPr lang="en-US" dirty="0" err="1" smtClean="0">
-                <a:solidFill>
-                  <a:srgbClr val="FF0000"/>
-                </a:solidFill>
-              </a:rPr>
-              <a:t>args</a:t>
-            </a:r>
-            <a:r>
-              <a:rPr lang="en-US" dirty="0" smtClean="0">
-                <a:solidFill>
-                  <a:srgbClr val="FF0000"/>
-                </a:solidFill>
-              </a:rPr>
-              <a:t>]]</a:t>
-            </a:r>
-          </a:p>
-          <a:p>
-            <a:pPr>
-              <a:buNone/>
-            </a:pPr>
-            <a:r>
-              <a:rPr lang="en-US" dirty="0" smtClean="0"/>
-              <a:t>    Example:</a:t>
-            </a:r>
-          </a:p>
-          <a:p>
-            <a:pPr>
-              <a:buNone/>
-            </a:pPr>
-            <a:r>
-              <a:rPr lang="en-US" dirty="0" smtClean="0"/>
-              <a:t>     try:</a:t>
-            </a:r>
-          </a:p>
-          <a:p>
-            <a:pPr>
-              <a:buNone/>
-            </a:pPr>
-            <a:r>
-              <a:rPr lang="en-US" dirty="0" smtClean="0"/>
-              <a:t>            n=10</a:t>
-            </a:r>
-          </a:p>
-          <a:p>
-            <a:pPr>
-              <a:buNone/>
-            </a:pPr>
-            <a:r>
-              <a:rPr lang="en-US" dirty="0" smtClean="0"/>
-              <a:t>		  print(n)</a:t>
-            </a:r>
-          </a:p>
-          <a:p>
-            <a:pPr>
-              <a:buNone/>
-            </a:pPr>
-            <a:r>
-              <a:rPr lang="en-US" dirty="0" smtClean="0"/>
-              <a:t>            raise </a:t>
-            </a:r>
-            <a:r>
-              <a:rPr lang="en-US" dirty="0" err="1" smtClean="0"/>
-              <a:t>ValueError</a:t>
-            </a:r>
-            <a:endParaRPr lang="en-US" dirty="0" smtClean="0"/>
-          </a:p>
-          <a:p>
-            <a:pPr>
-              <a:buNone/>
-            </a:pPr>
-            <a:r>
-              <a:rPr lang="en-US" dirty="0" smtClean="0"/>
-              <a:t>     except:</a:t>
-            </a:r>
-          </a:p>
-          <a:p>
-            <a:pPr>
-              <a:buNone/>
-            </a:pPr>
-            <a:r>
-              <a:rPr lang="en-US" dirty="0" smtClean="0"/>
-              <a:t>            print(“Exception Occurred”)</a:t>
-            </a:r>
+          <a:bodyPr/>
+          <a:lstStyle/>
+          <a:p>
+            <a:pPr>
+              <a:buNone/>
+            </a:pPr>
+            <a:r>
+              <a:rPr lang="en-US" dirty="0" smtClean="0"/>
+              <a:t>D={1:1,2:8,3:27,4:64}</a:t>
+            </a:r>
+          </a:p>
+          <a:p>
+            <a:pPr>
+              <a:buNone/>
+            </a:pPr>
+            <a:r>
+              <a:rPr lang="en-US" dirty="0" smtClean="0"/>
+              <a:t>try:</a:t>
+            </a:r>
+          </a:p>
+          <a:p>
+            <a:pPr>
+              <a:buNone/>
+            </a:pPr>
+            <a:r>
+              <a:rPr lang="en-US" dirty="0" smtClean="0"/>
+              <a:t>	 print(D[5])</a:t>
+            </a:r>
+          </a:p>
+          <a:p>
+            <a:pPr>
+              <a:buNone/>
+            </a:pPr>
+            <a:r>
+              <a:rPr lang="en-US" dirty="0" smtClean="0"/>
+              <a:t>except KeyError as e:</a:t>
+            </a:r>
+          </a:p>
+          <a:p>
+            <a:pPr>
+              <a:buNone/>
+            </a:pPr>
+            <a:r>
+              <a:rPr lang="en-US" dirty="0" smtClean="0"/>
+              <a:t>	print(“Please Check the key exists or not ”,e)</a:t>
+            </a:r>
+          </a:p>
+          <a:p>
+            <a:pPr>
+              <a:buNone/>
+            </a:pPr>
+            <a:r>
+              <a:rPr lang="en-US" dirty="0" smtClean="0"/>
+              <a:t>print(“Bye”)</a:t>
+            </a:r>
+          </a:p>
+          <a:p>
+            <a:pPr>
+              <a:buNone/>
+            </a:pPr>
             <a:endParaRPr lang="en-US" dirty="0"/>
           </a:p>
         </p:txBody>
@@ -7840,14 +8166,20 @@
             <p:ph type="title"/>
           </p:nvPr>
         </p:nvSpPr>
-        <p:spPr/>
+        <p:spPr>
+          <a:xfrm>
+            <a:off x="152400" y="76200"/>
+            <a:ext cx="7055380" cy="1400530"/>
+          </a:xfrm>
+        </p:spPr>
         <p:txBody>
           <a:bodyPr/>
           <a:lstStyle/>
           <a:p>
-            <a:r>
-              <a:rPr lang="en-US" dirty="0" smtClean="0"/>
-              <a:t>Re-raise an Exception</a:t>
+            <a:pPr algn="ctr"/>
+            <a:r>
+              <a:rPr lang="en-US" dirty="0" smtClean="0"/>
+              <a:t>Raising Exceptions</a:t>
             </a:r>
             <a:endParaRPr lang="en-US" dirty="0"/>
           </a:p>
@@ -7863,58 +8195,135 @@
             <p:ph idx="1"/>
           </p:nvPr>
         </p:nvSpPr>
-        <p:spPr/>
-        <p:txBody>
-          <a:bodyPr/>
-          <a:lstStyle/>
-          <a:p>
-            <a:pPr>
-              <a:buNone/>
-            </a:pPr>
-            <a:r>
-              <a:rPr lang="en-US" dirty="0" smtClean="0"/>
-              <a:t>try:</a:t>
-            </a:r>
-          </a:p>
-          <a:p>
-            <a:pPr>
-              <a:buNone/>
-            </a:pPr>
-            <a:r>
-              <a:rPr lang="en-US" dirty="0" smtClean="0"/>
-              <a:t>		raise </a:t>
-            </a:r>
-            <a:r>
-              <a:rPr lang="en-US" dirty="0" err="1" smtClean="0"/>
-              <a:t>NameError</a:t>
-            </a:r>
-            <a:endParaRPr lang="en-US" dirty="0" smtClean="0"/>
-          </a:p>
-          <a:p>
-            <a:pPr>
-              <a:buNone/>
-            </a:pPr>
-            <a:r>
-              <a:rPr lang="en-US" dirty="0" smtClean="0"/>
-              <a:t>except:</a:t>
-            </a:r>
-          </a:p>
-          <a:p>
-            <a:pPr>
-              <a:buNone/>
-            </a:pPr>
-            <a:r>
-              <a:rPr lang="en-US" dirty="0" smtClean="0"/>
-              <a:t>		print(“Re-raising the exception”)</a:t>
-            </a:r>
-          </a:p>
-          <a:p>
-            <a:pPr>
-              <a:buNone/>
-            </a:pPr>
-            <a:r>
-              <a:rPr lang="en-US" dirty="0" smtClean="0"/>
-              <a:t>       raise</a:t>
+        <p:spPr>
+          <a:xfrm>
+            <a:off x="685800" y="990600"/>
+            <a:ext cx="6711654" cy="4195481"/>
+          </a:xfrm>
+        </p:spPr>
+        <p:txBody>
+          <a:bodyPr>
+            <a:normAutofit fontScale="92500" lnSpcReduction="10000"/>
+          </a:bodyPr>
+          <a:lstStyle/>
+          <a:p>
+            <a:r>
+              <a:rPr lang="en-US" dirty="0" smtClean="0"/>
+              <a:t>We can deliberately raise an exception using the </a:t>
+            </a:r>
+            <a:r>
+              <a:rPr lang="en-US" dirty="0" smtClean="0">
+                <a:solidFill>
+                  <a:srgbClr val="FF0000"/>
+                </a:solidFill>
+              </a:rPr>
+              <a:t>raise</a:t>
+            </a:r>
+            <a:r>
+              <a:rPr lang="en-US" dirty="0" smtClean="0"/>
+              <a:t> keyword</a:t>
+            </a:r>
+          </a:p>
+          <a:p>
+            <a:r>
+              <a:rPr lang="en-US" dirty="0" smtClean="0"/>
+              <a:t>Syntax</a:t>
+            </a:r>
+          </a:p>
+          <a:p>
+            <a:pPr>
+              <a:buNone/>
+            </a:pPr>
+            <a:r>
+              <a:rPr lang="en-US" dirty="0" smtClean="0"/>
+              <a:t>    </a:t>
+            </a:r>
+            <a:r>
+              <a:rPr lang="en-US" dirty="0" smtClean="0">
+                <a:solidFill>
+                  <a:srgbClr val="FF0000"/>
+                </a:solidFill>
+              </a:rPr>
+              <a:t>raise [Exception [</a:t>
+            </a:r>
+            <a:r>
+              <a:rPr lang="en-US" dirty="0" err="1" smtClean="0">
+                <a:solidFill>
+                  <a:srgbClr val="FF0000"/>
+                </a:solidFill>
+              </a:rPr>
+              <a:t>args</a:t>
+            </a:r>
+            <a:r>
+              <a:rPr lang="en-US" dirty="0" smtClean="0">
+                <a:solidFill>
+                  <a:srgbClr val="FF0000"/>
+                </a:solidFill>
+              </a:rPr>
+              <a:t>]]</a:t>
+            </a:r>
+          </a:p>
+          <a:p>
+            <a:pPr>
+              <a:buNone/>
+            </a:pPr>
+            <a:r>
+              <a:rPr lang="en-US" dirty="0" smtClean="0"/>
+              <a:t>    Example:</a:t>
+            </a:r>
+          </a:p>
+          <a:p>
+            <a:pPr>
+              <a:buNone/>
+            </a:pPr>
+            <a:r>
+              <a:rPr lang="en-US" dirty="0" smtClean="0"/>
+              <a:t>     try:</a:t>
+            </a:r>
+          </a:p>
+          <a:p>
+            <a:pPr>
+              <a:buNone/>
+            </a:pPr>
+            <a:r>
+              <a:rPr lang="en-US" dirty="0" smtClean="0"/>
+              <a:t>         n=10</a:t>
+            </a:r>
+          </a:p>
+          <a:p>
+            <a:pPr>
+              <a:buNone/>
+            </a:pPr>
+            <a:r>
+              <a:rPr lang="en-US" dirty="0" smtClean="0"/>
+              <a:t>		  print(n)</a:t>
+            </a:r>
+          </a:p>
+          <a:p>
+            <a:pPr>
+              <a:buNone/>
+            </a:pPr>
+            <a:r>
+              <a:rPr lang="en-US" dirty="0" smtClean="0"/>
+              <a:t>         raise ValueError</a:t>
+            </a:r>
+          </a:p>
+          <a:p>
+            <a:pPr>
+              <a:buNone/>
+            </a:pPr>
+            <a:r>
+              <a:rPr lang="en-US" dirty="0" smtClean="0"/>
+              <a:t>     except:</a:t>
+            </a:r>
+          </a:p>
+          <a:p>
+            <a:pPr>
+              <a:buNone/>
+            </a:pPr>
+            <a:r>
+              <a:rPr lang="en-US" dirty="0" smtClean="0"/>
+              <a:t>            print(“Exception Occurred”)</a:t>
             </a:r>
             <a:endParaRPr lang="en-US" dirty="0"/>
           </a:p>
@@ -7945,11 +8354,49 @@
           <a:chExt cx="0" cy="0"/>
         </a:xfrm>
       </p:grpSpPr>
+      <p:sp>
+        <p:nvSpPr>
+          <p:cNvPr id="2" name="Title 1"/>
+          <p:cNvSpPr>
+            <a:spLocks noGrp="1"/>
+          </p:cNvSpPr>
+          <p:nvPr>
+            <p:ph type="title"/>
+          </p:nvPr>
+        </p:nvSpPr>
+        <p:spPr/>
+        <p:txBody>
+          <a:bodyPr/>
+          <a:lstStyle/>
+          <a:p>
+            <a:r>
+              <a:rPr lang="en-US" dirty="0" smtClean="0"/>
+              <a:t>Errors in Programming</a:t>
+            </a:r>
+            <a:br>
+              <a:rPr lang="en-US" dirty="0" smtClean="0"/>
+            </a:br>
+            <a:r>
+              <a:rPr lang="en-US" sz="2000" dirty="0" smtClean="0">
+                <a:solidFill>
+                  <a:srgbClr val="FF0000"/>
+                </a:solidFill>
+              </a:rPr>
+              <a:t>Errors are the problem or fault occurs in the program that make the behavior of the program abnormal  </a:t>
+            </a:r>
+            <a:endParaRPr lang="en-US" sz="2000" dirty="0">
+              <a:solidFill>
+                <a:srgbClr val="FF0000"/>
+              </a:solidFill>
+            </a:endParaRPr>
+          </a:p>
+        </p:txBody>
+      </p:sp>
       <p:pic>
         <p:nvPicPr>
-          <p:cNvPr id="1026" name="Picture 2"/>
+          <p:cNvPr id="4" name="Content Placeholder 3"/>
           <p:cNvPicPr>
-            <a:picLocks noGrp="1" noChangeAspect="1" noChangeArrowheads="1"/>
+            <a:picLocks noGrp="1" noChangeAspect="1"/>
           </p:cNvPicPr>
           <p:nvPr>
             <p:ph idx="1"/>
@@ -7961,25 +8408,99 @@
             <a:fillRect/>
           </a:stretch>
         </p:blipFill>
-        <p:spPr bwMode="auto">
+        <p:spPr>
           <a:xfrm>
-            <a:off x="827088" y="2367405"/>
-            <a:ext cx="6711950" cy="3566228"/>
+            <a:off x="990600" y="3429000"/>
+            <a:ext cx="6326518" cy="2016578"/>
+          </a:xfrm>
+          <a:prstGeom prst="rect">
+            <a:avLst/>
+          </a:prstGeom>
+        </p:spPr>
+      </p:pic>
+      <p:sp>
+        <p:nvSpPr>
+          <p:cNvPr id="3" name="TextBox 2"/>
+          <p:cNvSpPr txBox="1"/>
+          <p:nvPr/>
+        </p:nvSpPr>
+        <p:spPr>
+          <a:xfrm>
+            <a:off x="484710" y="2013065"/>
+            <a:ext cx="8042586" cy="1200329"/>
           </a:xfrm>
           <a:prstGeom prst="rect">
             <a:avLst/>
           </a:prstGeom>
           <a:noFill/>
-          <a:ln w="9525">
-            <a:noFill/>
-            <a:miter lim="800000"/>
-            <a:headEnd/>
-            <a:tailEnd/>
-          </a:ln>
-          <a:effectLst/>
         </p:spPr>
-      </p:pic>
+        <p:txBody>
+          <a:bodyPr wrap="none" rtlCol="0">
+            <a:spAutoFit/>
+          </a:bodyPr>
+          <a:lstStyle/>
+          <a:p>
+            <a:r>
+              <a:rPr lang="en-US" dirty="0" smtClean="0"/>
+              <a:t>We consider two types of errors mainly </a:t>
+            </a:r>
+          </a:p>
+          <a:p>
+            <a:pPr marL="342900" indent="-342900">
+              <a:buAutoNum type="arabicPeriod"/>
+            </a:pPr>
+            <a:r>
+              <a:rPr lang="en-US" b="1" dirty="0" smtClean="0"/>
+              <a:t>Syntax Errors </a:t>
+            </a:r>
+            <a:r>
+              <a:rPr lang="en-US" dirty="0" smtClean="0"/>
+              <a:t>: </a:t>
+            </a:r>
+            <a:r>
+              <a:rPr lang="en-US" i="1" dirty="0" smtClean="0"/>
+              <a:t>mistake in coding structure, can’t ignore or handled</a:t>
+            </a:r>
+          </a:p>
+          <a:p>
+            <a:pPr marL="342900" indent="-342900">
+              <a:buAutoNum type="arabicPeriod"/>
+            </a:pPr>
+            <a:r>
+              <a:rPr lang="en-US" b="1" dirty="0" smtClean="0"/>
+              <a:t>Exceptions</a:t>
+            </a:r>
+            <a:r>
+              <a:rPr lang="en-US" dirty="0" smtClean="0"/>
+              <a:t> : </a:t>
+            </a:r>
+            <a:r>
+              <a:rPr lang="en-US" i="1" dirty="0" smtClean="0"/>
+              <a:t>during the </a:t>
+            </a:r>
+            <a:r>
+              <a:rPr lang="en-US" i="1" dirty="0" smtClean="0"/>
+              <a:t>execution, </a:t>
+            </a:r>
+            <a:r>
+              <a:rPr lang="en-US" i="1" dirty="0" smtClean="0"/>
+              <a:t>can be handled. </a:t>
+            </a:r>
+          </a:p>
+          <a:p>
+            <a:pPr marL="342900" indent="-342900">
+              <a:buAutoNum type="arabicPeriod"/>
+            </a:pPr>
+            <a:endParaRPr lang="en-US" dirty="0"/>
+          </a:p>
+        </p:txBody>
+      </p:sp>
     </p:spTree>
+    <p:extLst>
+      <p:ext uri="{BB962C8B-B14F-4D97-AF65-F5344CB8AC3E}">
+        <p14:creationId xmlns:p14="http://schemas.microsoft.com/office/powerpoint/2010/main" val="1912853538"/>
+      </p:ext>
+    </p:extLst>
   </p:cSld>
   <p:clrMapOvr>
     <a:masterClrMapping/>
@@ -8016,16 +8537,14 @@
         </p:nvSpPr>
         <p:spPr/>
         <p:txBody>
-          <a:bodyPr>
-            <a:normAutofit/>
-          </a:bodyPr>
-          <a:lstStyle/>
-          <a:p>
-            <a:r>
-              <a:rPr lang="en-US" sz="2800" dirty="0" smtClean="0"/>
-              <a:t>Handling Exceptions in Invoked Functions</a:t>
-            </a:r>
-            <a:endParaRPr lang="en-US" sz="2800" dirty="0"/>
+          <a:bodyPr/>
+          <a:lstStyle/>
+          <a:p>
+            <a:r>
+              <a:rPr lang="en-US" dirty="0" smtClean="0"/>
+              <a:t>Re-raise an Exception</a:t>
+            </a:r>
+            <a:endParaRPr lang="en-US" dirty="0"/>
           </a:p>
         </p:txBody>
       </p:sp>
@@ -8041,162 +8560,51 @@
         </p:nvSpPr>
         <p:spPr/>
         <p:txBody>
-          <a:bodyPr>
-            <a:normAutofit/>
-          </a:bodyPr>
-          <a:lstStyle/>
-          <a:p>
-            <a:pPr>
-              <a:buNone/>
-            </a:pPr>
-            <a:r>
-              <a:rPr lang="en-US" dirty="0" smtClean="0">
-                <a:solidFill>
-                  <a:srgbClr val="0070C0"/>
-                </a:solidFill>
-              </a:rPr>
-              <a:t>def fun(</a:t>
-            </a:r>
-            <a:r>
-              <a:rPr lang="en-US" dirty="0" err="1" smtClean="0">
-                <a:solidFill>
-                  <a:srgbClr val="0070C0"/>
-                </a:solidFill>
-              </a:rPr>
-              <a:t>a,b</a:t>
-            </a:r>
-            <a:r>
-              <a:rPr lang="en-US" dirty="0" smtClean="0">
-                <a:solidFill>
-                  <a:srgbClr val="0070C0"/>
-                </a:solidFill>
-              </a:rPr>
-              <a:t>):</a:t>
-            </a:r>
-          </a:p>
-          <a:p>
-            <a:pPr>
-              <a:buNone/>
-            </a:pPr>
-            <a:r>
-              <a:rPr lang="en-US" dirty="0" smtClean="0">
-                <a:solidFill>
-                  <a:srgbClr val="0070C0"/>
-                </a:solidFill>
-              </a:rPr>
-              <a:t>		try:</a:t>
-            </a:r>
-          </a:p>
-          <a:p>
-            <a:pPr>
-              <a:buNone/>
-            </a:pPr>
-            <a:r>
-              <a:rPr lang="en-US" dirty="0" smtClean="0">
-                <a:solidFill>
-                  <a:srgbClr val="0070C0"/>
-                </a:solidFill>
-              </a:rPr>
-              <a:t>			c=a/b</a:t>
-            </a:r>
-          </a:p>
-          <a:p>
-            <a:pPr>
-              <a:buNone/>
-            </a:pPr>
-            <a:r>
-              <a:rPr lang="en-US" dirty="0" smtClean="0">
-                <a:solidFill>
-                  <a:srgbClr val="0070C0"/>
-                </a:solidFill>
-              </a:rPr>
-              <a:t>		except </a:t>
-            </a:r>
-            <a:r>
-              <a:rPr lang="en-US" dirty="0" err="1" smtClean="0">
-                <a:solidFill>
-                  <a:srgbClr val="0070C0"/>
-                </a:solidFill>
-              </a:rPr>
-              <a:t>ZeroDivisionError</a:t>
-            </a:r>
-            <a:r>
-              <a:rPr lang="en-US" dirty="0" smtClean="0">
-                <a:solidFill>
-                  <a:srgbClr val="0070C0"/>
-                </a:solidFill>
-              </a:rPr>
-              <a:t>:</a:t>
-            </a:r>
-          </a:p>
-          <a:p>
-            <a:pPr>
-              <a:buNone/>
-            </a:pPr>
-            <a:r>
-              <a:rPr lang="en-US" dirty="0" smtClean="0">
-                <a:solidFill>
-                  <a:srgbClr val="0070C0"/>
-                </a:solidFill>
-              </a:rPr>
-              <a:t>			print(“You can not divide a no. by zero”)</a:t>
-            </a:r>
-          </a:p>
-          <a:p>
-            <a:pPr>
-              <a:buNone/>
-            </a:pPr>
-            <a:endParaRPr lang="en-US" dirty="0" smtClean="0"/>
-          </a:p>
-          <a:p>
-            <a:pPr>
-              <a:buNone/>
-            </a:pPr>
-            <a:r>
-              <a:rPr lang="en-US" dirty="0" smtClean="0"/>
-              <a:t>a=</a:t>
-            </a:r>
-            <a:r>
-              <a:rPr lang="en-US" dirty="0" err="1" smtClean="0"/>
-              <a:t>int</a:t>
-            </a:r>
-            <a:r>
-              <a:rPr lang="en-US" dirty="0" smtClean="0"/>
-              <a:t>(input(“Enter the Number”))</a:t>
-            </a:r>
-          </a:p>
-          <a:p>
-            <a:pPr>
-              <a:buNone/>
-            </a:pPr>
-            <a:r>
-              <a:rPr lang="en-US" dirty="0" smtClean="0"/>
-              <a:t>b=</a:t>
-            </a:r>
-            <a:r>
-              <a:rPr lang="en-US" dirty="0" err="1" smtClean="0"/>
-              <a:t>int</a:t>
-            </a:r>
-            <a:r>
-              <a:rPr lang="en-US" dirty="0" smtClean="0"/>
-              <a:t>(input(“Enter the Number”))</a:t>
-            </a:r>
-          </a:p>
-          <a:p>
-            <a:pPr>
-              <a:buNone/>
-            </a:pPr>
-            <a:r>
-              <a:rPr lang="en-US" dirty="0" smtClean="0"/>
-              <a:t>fun(</a:t>
-            </a:r>
-            <a:r>
-              <a:rPr lang="en-US" dirty="0" err="1" smtClean="0"/>
-              <a:t>a,b</a:t>
-            </a:r>
-            <a:r>
-              <a:rPr lang="en-US" dirty="0" smtClean="0"/>
-              <a:t>) </a:t>
+          <a:bodyPr/>
+          <a:lstStyle/>
+          <a:p>
+            <a:pPr>
+              <a:buNone/>
+            </a:pPr>
+            <a:r>
+              <a:rPr lang="en-US" dirty="0" smtClean="0"/>
+              <a:t>try:</a:t>
+            </a:r>
+          </a:p>
+          <a:p>
+            <a:pPr>
+              <a:buNone/>
+            </a:pPr>
+            <a:r>
+              <a:rPr lang="en-US" dirty="0" smtClean="0"/>
+              <a:t>		raise NameError</a:t>
+            </a:r>
+          </a:p>
+          <a:p>
+            <a:pPr>
+              <a:buNone/>
+            </a:pPr>
+            <a:r>
+              <a:rPr lang="en-US" dirty="0" smtClean="0"/>
+              <a:t>except:</a:t>
+            </a:r>
+          </a:p>
+          <a:p>
+            <a:pPr>
+              <a:buNone/>
+            </a:pPr>
+            <a:r>
+              <a:rPr lang="en-US" dirty="0" smtClean="0"/>
+              <a:t>		print(“Re-raising the exception”)</a:t>
+            </a:r>
+          </a:p>
+          <a:p>
+            <a:pPr>
+              <a:buNone/>
+            </a:pPr>
+            <a:r>
+              <a:rPr lang="en-US" dirty="0" smtClean="0"/>
+              <a:t>       raise</a:t>
             </a:r>
             <a:endParaRPr lang="en-US" dirty="0"/>
           </a:p>
@@ -8229,147 +8637,95 @@
       </p:grpSpPr>
       <p:sp>
         <p:nvSpPr>
-          <p:cNvPr id="3" name="Content Placeholder 2"/>
-          <p:cNvSpPr>
-            <a:spLocks noGrp="1"/>
-          </p:cNvSpPr>
-          <p:nvPr>
-            <p:ph idx="1"/>
+          <p:cNvPr id="2" name="Title 1"/>
+          <p:cNvSpPr>
+            <a:spLocks noGrp="1"/>
+          </p:cNvSpPr>
+          <p:nvPr>
+            <p:ph type="title"/>
           </p:nvPr>
         </p:nvSpPr>
         <p:spPr>
           <a:xfrm>
-            <a:off x="827700" y="381001"/>
-            <a:ext cx="6711654" cy="5867406"/>
+            <a:off x="484710" y="452718"/>
+            <a:ext cx="7055380" cy="995082"/>
           </a:xfrm>
         </p:spPr>
         <p:txBody>
-          <a:bodyPr>
-            <a:normAutofit/>
-          </a:bodyPr>
-          <a:lstStyle/>
-          <a:p>
-            <a:pPr>
-              <a:buNone/>
-            </a:pPr>
-            <a:r>
-              <a:rPr lang="en-US" dirty="0" smtClean="0">
-                <a:solidFill>
-                  <a:srgbClr val="0070C0"/>
-                </a:solidFill>
-              </a:rPr>
-              <a:t>def fun(a, b):</a:t>
-            </a:r>
-          </a:p>
-          <a:p>
-            <a:pPr>
-              <a:buNone/>
-            </a:pPr>
-            <a:r>
-              <a:rPr lang="en-US" dirty="0" smtClean="0">
-                <a:solidFill>
-                  <a:srgbClr val="0070C0"/>
-                </a:solidFill>
-              </a:rPr>
-              <a:t>		return a/b</a:t>
-            </a:r>
-          </a:p>
-          <a:p>
-            <a:pPr>
-              <a:buNone/>
-            </a:pPr>
-            <a:endParaRPr lang="en-US" dirty="0" smtClean="0"/>
-          </a:p>
-          <a:p>
-            <a:pPr>
-              <a:buNone/>
-            </a:pPr>
-            <a:r>
-              <a:rPr lang="en-US" dirty="0" smtClean="0"/>
-              <a:t>a=</a:t>
-            </a:r>
-            <a:r>
-              <a:rPr lang="en-US" dirty="0" err="1" smtClean="0"/>
-              <a:t>int</a:t>
-            </a:r>
-            <a:r>
-              <a:rPr lang="en-US" dirty="0" smtClean="0"/>
-              <a:t>(input(“Enter the Number”))</a:t>
-            </a:r>
-          </a:p>
-          <a:p>
-            <a:pPr>
-              <a:buNone/>
-            </a:pPr>
-            <a:r>
-              <a:rPr lang="en-US" dirty="0" smtClean="0"/>
-              <a:t>b=</a:t>
-            </a:r>
-            <a:r>
-              <a:rPr lang="en-US" dirty="0" err="1" smtClean="0"/>
-              <a:t>int</a:t>
-            </a:r>
-            <a:r>
-              <a:rPr lang="en-US" dirty="0" smtClean="0"/>
-              <a:t>(input(“Enter the Number”))</a:t>
-            </a:r>
-          </a:p>
-          <a:p>
-            <a:pPr>
-              <a:buNone/>
-            </a:pPr>
-            <a:r>
-              <a:rPr lang="en-US" dirty="0" smtClean="0"/>
-              <a:t>try:</a:t>
-            </a:r>
-          </a:p>
-          <a:p>
-            <a:pPr>
-              <a:buNone/>
-            </a:pPr>
-            <a:r>
-              <a:rPr lang="en-US" dirty="0" smtClean="0"/>
-              <a:t>		fun(</a:t>
-            </a:r>
-            <a:r>
-              <a:rPr lang="en-US" dirty="0" err="1" smtClean="0"/>
-              <a:t>a,b</a:t>
-            </a:r>
-            <a:r>
-              <a:rPr lang="en-US" dirty="0" smtClean="0"/>
-              <a:t>)</a:t>
-            </a:r>
-          </a:p>
-          <a:p>
-            <a:pPr>
-              <a:buNone/>
-            </a:pPr>
-            <a:r>
-              <a:rPr lang="en-US" dirty="0" smtClean="0"/>
-              <a:t>except </a:t>
-            </a:r>
-            <a:r>
-              <a:rPr lang="en-US" dirty="0" err="1" smtClean="0"/>
-              <a:t>ZeroDivisionError</a:t>
-            </a:r>
-            <a:r>
-              <a:rPr lang="en-US" dirty="0" smtClean="0"/>
-              <a:t>:</a:t>
-            </a:r>
-          </a:p>
-          <a:p>
-            <a:pPr>
-              <a:buNone/>
-            </a:pPr>
-            <a:r>
-              <a:rPr lang="en-US" dirty="0" smtClean="0"/>
-              <a:t>		print(“You can not divide a no bye Zero”)</a:t>
+          <a:bodyPr/>
+          <a:lstStyle/>
+          <a:p>
+            <a:r>
+              <a:rPr lang="en-US" dirty="0" smtClean="0"/>
+              <a:t>Review..</a:t>
             </a:r>
             <a:endParaRPr lang="en-US" dirty="0"/>
           </a:p>
         </p:txBody>
       </p:sp>
+      <p:sp>
+        <p:nvSpPr>
+          <p:cNvPr id="3" name="Content Placeholder 2"/>
+          <p:cNvSpPr>
+            <a:spLocks noGrp="1"/>
+          </p:cNvSpPr>
+          <p:nvPr>
+            <p:ph idx="1"/>
+          </p:nvPr>
+        </p:nvSpPr>
+        <p:spPr>
+          <a:xfrm>
+            <a:off x="522810" y="1371600"/>
+            <a:ext cx="6711654" cy="4195481"/>
+          </a:xfrm>
+        </p:spPr>
+        <p:txBody>
+          <a:bodyPr/>
+          <a:lstStyle/>
+          <a:p>
+            <a:r>
+              <a:rPr lang="en-US" dirty="0" smtClean="0"/>
+              <a:t>1. Why need Exception Handling?</a:t>
+            </a:r>
+          </a:p>
+          <a:p>
+            <a:r>
+              <a:rPr lang="en-US" dirty="0" smtClean="0"/>
+              <a:t>2. What is the process of Exception Handling?</a:t>
+            </a:r>
+          </a:p>
+          <a:p>
+            <a:r>
+              <a:rPr lang="en-US" dirty="0" smtClean="0"/>
+              <a:t>3. Explain the use of else clause in exception handling.</a:t>
+            </a:r>
+          </a:p>
+          <a:p>
+            <a:r>
+              <a:rPr lang="en-US" dirty="0" smtClean="0"/>
+              <a:t>4. when we use the finally block?</a:t>
+            </a:r>
+          </a:p>
+          <a:p>
+            <a:r>
+              <a:rPr lang="en-US" dirty="0" smtClean="0"/>
+              <a:t>5. Explain NameError, KeyError, ValueError and ZeroDivisionError. </a:t>
+            </a:r>
+          </a:p>
+          <a:p>
+            <a:r>
+              <a:rPr lang="en-US" dirty="0" smtClean="0"/>
+              <a:t>6. Base class for all Exceptions?</a:t>
+            </a:r>
+          </a:p>
+        </p:txBody>
+      </p:sp>
     </p:spTree>
+    <p:extLst>
+      <p:ext uri="{BB962C8B-B14F-4D97-AF65-F5344CB8AC3E}">
+        <p14:creationId xmlns:p14="http://schemas.microsoft.com/office/powerpoint/2010/main" val="1544329979"/>
+      </p:ext>
+    </p:extLst>
   </p:cSld>
   <p:clrMapOvr>
     <a:masterClrMapping/>
@@ -8427,7 +8783,12 @@
             <p:ph idx="1"/>
           </p:nvPr>
         </p:nvSpPr>
-        <p:spPr/>
+        <p:spPr>
+          <a:xfrm>
+            <a:off x="533400" y="1371600"/>
+            <a:ext cx="6711654" cy="4195481"/>
+          </a:xfrm>
+        </p:spPr>
         <p:txBody>
           <a:bodyPr>
             <a:normAutofit/>
@@ -8439,15 +8800,7 @@
             </a:pPr>
             <a:r>
               <a:rPr lang="en-US" dirty="0" smtClean="0"/>
-              <a:t>WAP that prompts the user to enter a number. If the number is positive or zero, print it, otherwise raise an exception </a:t>
-            </a:r>
-            <a:r>
-              <a:rPr lang="en-US" dirty="0" err="1" smtClean="0"/>
-              <a:t>ValueError</a:t>
-            </a:r>
-            <a:r>
-              <a:rPr lang="en-US" dirty="0" smtClean="0"/>
-              <a:t> with some message.</a:t>
+              <a:t>WAP that prompts the user to enter a number. If the number is positive or zero, print it, otherwise raise an exception ValueError with some message.</a:t>
             </a:r>
           </a:p>
           <a:p>
@@ -8456,15 +8809,7 @@
             </a:pPr>
             <a:r>
               <a:rPr lang="en-US" dirty="0" smtClean="0"/>
-              <a:t>WAP which infinitely print natural numbers. Raise the </a:t>
-            </a:r>
-            <a:r>
-              <a:rPr lang="en-US" dirty="0" err="1" smtClean="0"/>
-              <a:t>StopIteration</a:t>
-            </a:r>
-            <a:r>
-              <a:rPr lang="en-US" dirty="0" smtClean="0"/>
-              <a:t> exception after displaying first 20 numbers to exit from the program.</a:t>
+              <a:t>WAP which infinitely print natural numbers. Raise the StopIteration exception after displaying first 20 numbers to exit from the program.</a:t>
             </a:r>
           </a:p>
           <a:p>
@@ -8472,18 +8817,38 @@
               <a:buAutoNum type="arabicPeriod"/>
             </a:pPr>
             <a:r>
-              <a:rPr lang="en-US" dirty="0" smtClean="0"/>
-              <a:t>WAP that prompts the user to enter his name. The program then greets the person with his name. But if the person’s name is “</a:t>
+              <a:rPr lang="en-US" dirty="0"/>
+              <a:t>Compute the reciprocal for all </a:t>
+            </a:r>
+            <a:r>
+              <a:rPr lang="en-US" dirty="0" smtClean="0"/>
+              <a:t>elements </a:t>
+            </a:r>
+            <a:r>
+              <a:rPr lang="en-US" dirty="0"/>
+              <a:t>in a given </a:t>
+            </a:r>
+            <a:r>
+              <a:rPr lang="en-US" dirty="0" smtClean="0"/>
+              <a:t>list and handle exceptions if found. </a:t>
+            </a:r>
+          </a:p>
+          <a:p>
+            <a:pPr marL="0" indent="0" algn="just">
+              <a:buNone/>
+            </a:pPr>
+            <a:r>
+              <a:rPr lang="en-US" dirty="0" smtClean="0"/>
+              <a:t>	 </a:t>
             </a:r>
             <a:r>
               <a:rPr lang="en-US" dirty="0" err="1" smtClean="0"/>
-              <a:t>Rahul</a:t>
-            </a:r>
-            <a:r>
-              <a:rPr lang="en-US" dirty="0" smtClean="0"/>
-              <a:t>”, an exception is thrown explicitly and he is asked to quit the program.</a:t>
-            </a:r>
-            <a:endParaRPr lang="en-US" dirty="0"/>
+              <a:t>lst</a:t>
+            </a:r>
+            <a:r>
+              <a:rPr lang="en-US" dirty="0" smtClean="0"/>
+              <a:t> = [1,  3,  0, ‘A’, 34, 10]</a:t>
+            </a:r>
           </a:p>
         </p:txBody>
       </p:sp>
@@ -8545,7 +8910,12 @@
             <p:ph idx="1"/>
           </p:nvPr>
         </p:nvSpPr>
-        <p:spPr/>
+        <p:spPr>
+          <a:xfrm>
+            <a:off x="609600" y="1371600"/>
+            <a:ext cx="6711654" cy="4195481"/>
+          </a:xfrm>
+        </p:spPr>
         <p:txBody>
           <a:bodyPr>
             <a:normAutofit/>
@@ -8715,7 +9085,7 @@
         </p:nvSpPr>
         <p:spPr>
           <a:xfrm>
-            <a:off x="827700" y="1066801"/>
+            <a:off x="533400" y="381000"/>
             <a:ext cx="6711654" cy="5181606"/>
           </a:xfrm>
         </p:spPr>
@@ -9183,22 +9553,20 @@
           <a:lstStyle/>
           <a:p>
             <a:r>
-              <a:rPr lang="en-US" dirty="0" smtClean="0"/>
-              <a:t>Handling an Exception</a:t>
-            </a:r>
-            <a:endParaRPr lang="en-US" dirty="0"/>
+              <a:rPr lang="en-US" sz="3200" dirty="0" smtClean="0"/>
+              <a:t>Handling an Exception: Flow of control </a:t>
+            </a:r>
+            <a:endParaRPr lang="en-US" sz="3200" dirty="0"/>
           </a:p>
         </p:txBody>
       </p:sp>
       <p:pic>
         <p:nvPicPr>
-          <p:cNvPr id="2050" name="Picture 2"/>
+          <p:cNvPr id="4" name="Picture 3"/>
           <p:cNvPicPr>
-            <a:picLocks noGrp="1" noChangeAspect="1" noChangeArrowheads="1"/>
+            <a:picLocks noChangeAspect="1"/>
           </p:cNvPicPr>
-          <p:nvPr>
-            <p:ph idx="1"/>
-          </p:nvPr>
+          <p:nvPr/>
         </p:nvPicPr>
         <p:blipFill>
           <a:blip r:embed="rId2"/>
@@ -9206,24 +9574,167 @@
             <a:fillRect/>
           </a:stretch>
         </p:blipFill>
-        <p:spPr bwMode="auto">
+        <p:spPr>
           <a:xfrm>
-            <a:off x="827088" y="2795491"/>
-            <a:ext cx="6711950" cy="2710055"/>
+            <a:off x="609600" y="3962400"/>
+            <a:ext cx="3475021" cy="1219200"/>
+          </a:xfrm>
+          <a:prstGeom prst="rect">
+            <a:avLst/>
+          </a:prstGeom>
+        </p:spPr>
+      </p:pic>
+      <p:sp>
+        <p:nvSpPr>
+          <p:cNvPr id="6" name="TextBox 5"/>
+          <p:cNvSpPr txBox="1"/>
+          <p:nvPr/>
+        </p:nvSpPr>
+        <p:spPr>
+          <a:xfrm>
+            <a:off x="484710" y="3465743"/>
+            <a:ext cx="1585690" cy="369332"/>
           </a:xfrm>
           <a:prstGeom prst="rect">
             <a:avLst/>
           </a:prstGeom>
           <a:noFill/>
-          <a:ln w="9525">
-            <a:noFill/>
-            <a:miter lim="800000"/>
-            <a:headEnd/>
-            <a:tailEnd/>
-          </a:ln>
-          <a:effectLst/>
+        </p:spPr>
+        <p:txBody>
+          <a:bodyPr wrap="none" rtlCol="0">
+            <a:spAutoFit/>
+          </a:bodyPr>
+          <a:lstStyle/>
+          <a:p>
+            <a:r>
+              <a:rPr lang="en-US" dirty="0" smtClean="0"/>
+              <a:t>1. try-except</a:t>
+            </a:r>
+            <a:endParaRPr lang="en-US" dirty="0"/>
+          </a:p>
+        </p:txBody>
+      </p:sp>
+      <p:pic>
+        <p:nvPicPr>
+          <p:cNvPr id="7" name="Picture 6"/>
+          <p:cNvPicPr>
+            <a:picLocks noChangeAspect="1"/>
+          </p:cNvPicPr>
+          <p:nvPr/>
+        </p:nvPicPr>
+        <p:blipFill>
+          <a:blip r:embed="rId3"/>
+          <a:stretch>
+            <a:fillRect/>
+          </a:stretch>
+        </p:blipFill>
+        <p:spPr>
+          <a:xfrm>
+            <a:off x="609600" y="1503421"/>
+            <a:ext cx="4239690" cy="1834997"/>
+          </a:xfrm>
+          <a:prstGeom prst="rect">
+            <a:avLst/>
+          </a:prstGeom>
         </p:spPr>
       </p:pic>
+      <p:sp>
+        <p:nvSpPr>
+          <p:cNvPr id="8" name="Right Arrow 7"/>
+          <p:cNvSpPr/>
+          <p:nvPr/>
+        </p:nvSpPr>
+        <p:spPr>
+          <a:xfrm>
+            <a:off x="4343400" y="4267200"/>
+            <a:ext cx="685800" cy="304800"/>
+          </a:xfrm>
+          <a:prstGeom prst="rightArrow">
+            <a:avLst/>
+          </a:prstGeom>
+        </p:spPr>
+        <p:style>
+          <a:lnRef idx="2">
+            <a:schemeClr val="accent1">
+              <a:shade val="50000"/>
+            </a:schemeClr>
+          </a:lnRef>
+          <a:fillRef idx="1">
+            <a:schemeClr val="accent1"/>
+          </a:fillRef>
+          <a:effectRef idx="0">
+            <a:schemeClr val="accent1"/>
+          </a:effectRef>
+          <a:fontRef idx="minor">
+            <a:schemeClr val="lt1"/>
+          </a:fontRef>
+        </p:style>
+        <p:txBody>
+          <a:bodyPr rtlCol="0" anchor="ctr"/>
+          <a:lstStyle/>
+          <a:p>
+            <a:pPr algn="ctr"/>
+            <a:endParaRPr lang="en-US"/>
+          </a:p>
+        </p:txBody>
+      </p:sp>
+      <p:pic>
+        <p:nvPicPr>
+          <p:cNvPr id="9" name="Picture 8"/>
+          <p:cNvPicPr>
+            <a:picLocks noChangeAspect="1"/>
+          </p:cNvPicPr>
+          <p:nvPr/>
+        </p:nvPicPr>
+        <p:blipFill>
+          <a:blip r:embed="rId4"/>
+          <a:stretch>
+            <a:fillRect/>
+          </a:stretch>
+        </p:blipFill>
+        <p:spPr>
+          <a:xfrm>
+            <a:off x="5181600" y="3421694"/>
+            <a:ext cx="3429000" cy="2064705"/>
+          </a:xfrm>
+          <a:prstGeom prst="rect">
+            <a:avLst/>
+          </a:prstGeom>
+        </p:spPr>
+      </p:pic>
+      <p:cxnSp>
+        <p:nvCxnSpPr>
+          <p:cNvPr id="5" name="Straight Arrow Connector 4"/>
+          <p:cNvCxnSpPr/>
+          <p:nvPr/>
+        </p:nvCxnSpPr>
+        <p:spPr>
+          <a:xfrm>
+            <a:off x="5029200" y="2133600"/>
+            <a:ext cx="1066800" cy="1066800"/>
+          </a:xfrm>
+          <a:prstGeom prst="straightConnector1">
+            <a:avLst/>
+          </a:prstGeom>
+          <a:ln>
+            <a:tailEnd type="triangle"/>
+          </a:ln>
+        </p:spPr>
+        <p:style>
+          <a:lnRef idx="1">
+            <a:schemeClr val="accent1"/>
+          </a:lnRef>
+          <a:fillRef idx="0">
+            <a:schemeClr val="accent1"/>
+          </a:fillRef>
+          <a:effectRef idx="0">
+            <a:schemeClr val="accent1"/>
+          </a:effectRef>
+          <a:fontRef idx="minor">
+            <a:schemeClr val="tx1"/>
+          </a:fontRef>
+        </p:style>
+      </p:cxnSp>
     </p:spTree>
   </p:cSld>
   <p:clrMapOvr>
@@ -9249,15 +9760,42 @@
           <a:chExt cx="0" cy="0"/>
         </a:xfrm>
       </p:grpSpPr>
+      <p:sp>
+        <p:nvSpPr>
+          <p:cNvPr id="5" name="TextBox 4"/>
+          <p:cNvSpPr txBox="1"/>
+          <p:nvPr/>
+        </p:nvSpPr>
+        <p:spPr>
+          <a:xfrm>
+            <a:off x="685800" y="609600"/>
+            <a:ext cx="2100255" cy="369332"/>
+          </a:xfrm>
+          <a:prstGeom prst="rect">
+            <a:avLst/>
+          </a:prstGeom>
+          <a:noFill/>
+        </p:spPr>
+        <p:txBody>
+          <a:bodyPr wrap="none" rtlCol="0">
+            <a:spAutoFit/>
+          </a:bodyPr>
+          <a:lstStyle/>
+          <a:p>
+            <a:r>
+              <a:rPr lang="en-US" dirty="0" smtClean="0"/>
+              <a:t>2. try-except-else</a:t>
+            </a:r>
+          </a:p>
+        </p:txBody>
+      </p:sp>
       <p:pic>
         <p:nvPicPr>
-          <p:cNvPr id="3074" name="Picture 2"/>
+          <p:cNvPr id="6" name="Picture 5"/>
           <p:cNvPicPr>
-            <a:picLocks noGrp="1" noChangeAspect="1" noChangeArrowheads="1"/>
+            <a:picLocks noChangeAspect="1"/>
           </p:cNvPicPr>
-          <p:nvPr>
-            <p:ph idx="1"/>
-          </p:nvPr>
+          <p:nvPr/>
         </p:nvPicPr>
         <p:blipFill>
           <a:blip r:embed="rId2"/>
@@ -9265,25 +9803,106 @@
             <a:fillRect/>
           </a:stretch>
         </p:blipFill>
-        <p:spPr bwMode="auto">
+        <p:spPr>
           <a:xfrm>
-            <a:off x="827088" y="2558244"/>
-            <a:ext cx="6711950" cy="3184549"/>
+            <a:off x="685800" y="1143000"/>
+            <a:ext cx="3718882" cy="3246401"/>
+          </a:xfrm>
+          <a:prstGeom prst="rect">
+            <a:avLst/>
+          </a:prstGeom>
+        </p:spPr>
+      </p:pic>
+      <p:pic>
+        <p:nvPicPr>
+          <p:cNvPr id="7" name="Picture 6"/>
+          <p:cNvPicPr>
+            <a:picLocks noChangeAspect="1"/>
+          </p:cNvPicPr>
+          <p:nvPr/>
+        </p:nvPicPr>
+        <p:blipFill>
+          <a:blip r:embed="rId3"/>
+          <a:stretch>
+            <a:fillRect/>
+          </a:stretch>
+        </p:blipFill>
+        <p:spPr>
+          <a:xfrm>
+            <a:off x="4800600" y="1143000"/>
+            <a:ext cx="3840813" cy="3246401"/>
+          </a:xfrm>
+          <a:prstGeom prst="rect">
+            <a:avLst/>
+          </a:prstGeom>
+        </p:spPr>
+      </p:pic>
+      <p:sp>
+        <p:nvSpPr>
+          <p:cNvPr id="8" name="TextBox 7"/>
+          <p:cNvSpPr txBox="1"/>
+          <p:nvPr/>
+        </p:nvSpPr>
+        <p:spPr>
+          <a:xfrm>
+            <a:off x="1295400" y="4419600"/>
+            <a:ext cx="1843774" cy="369332"/>
           </a:xfrm>
           <a:prstGeom prst="rect">
             <a:avLst/>
           </a:prstGeom>
           <a:noFill/>
-          <a:ln w="9525">
-            <a:noFill/>
-            <a:miter lim="800000"/>
-            <a:headEnd/>
-            <a:tailEnd/>
-          </a:ln>
-          <a:effectLst/>
         </p:spPr>
-      </p:pic>
+        <p:txBody>
+          <a:bodyPr wrap="none" rtlCol="0">
+            <a:spAutoFit/>
+          </a:bodyPr>
+          <a:lstStyle/>
+          <a:p>
+            <a:r>
+              <a:rPr lang="en-US" dirty="0" smtClean="0"/>
+              <a:t>With Exception</a:t>
+            </a:r>
+            <a:endParaRPr lang="en-US" dirty="0"/>
+          </a:p>
+        </p:txBody>
+      </p:sp>
+      <p:sp>
+        <p:nvSpPr>
+          <p:cNvPr id="9" name="TextBox 8"/>
+          <p:cNvSpPr txBox="1"/>
+          <p:nvPr/>
+        </p:nvSpPr>
+        <p:spPr>
+          <a:xfrm>
+            <a:off x="5715000" y="4419600"/>
+            <a:ext cx="1742785" cy="369332"/>
+          </a:xfrm>
+          <a:prstGeom prst="rect">
+            <a:avLst/>
+          </a:prstGeom>
+          <a:noFill/>
+        </p:spPr>
+        <p:txBody>
+          <a:bodyPr wrap="none" rtlCol="0">
+            <a:spAutoFit/>
+          </a:bodyPr>
+          <a:lstStyle/>
+          <a:p>
+            <a:r>
+              <a:rPr lang="en-US" dirty="0" smtClean="0"/>
+              <a:t>No Exception </a:t>
+            </a:r>
+            <a:endParaRPr lang="en-US" dirty="0"/>
+          </a:p>
+        </p:txBody>
+      </p:sp>
     </p:spTree>
+    <p:extLst>
+      <p:ext uri="{BB962C8B-B14F-4D97-AF65-F5344CB8AC3E}">
+        <p14:creationId xmlns:p14="http://schemas.microsoft.com/office/powerpoint/2010/main" val="739572303"/>
+      </p:ext>
+    </p:extLst>
   </p:cSld>
   <p:clrMapOvr>
     <a:masterClrMapping/>
@@ -9310,32 +9929,40 @@
       </p:grpSpPr>
       <p:sp>
         <p:nvSpPr>
-          <p:cNvPr id="2" name="Title 1"/>
-          <p:cNvSpPr>
-            <a:spLocks noGrp="1"/>
-          </p:cNvSpPr>
-          <p:nvPr>
-            <p:ph type="title"/>
-          </p:nvPr>
-        </p:nvSpPr>
-        <p:spPr/>
-        <p:txBody>
-          <a:bodyPr/>
-          <a:lstStyle/>
-          <a:p>
-            <a:endParaRPr lang="en-US"/>
+          <p:cNvPr id="4" name="TextBox 3"/>
+          <p:cNvSpPr txBox="1"/>
+          <p:nvPr/>
+        </p:nvSpPr>
+        <p:spPr>
+          <a:xfrm>
+            <a:off x="762000" y="609600"/>
+            <a:ext cx="5012911" cy="369332"/>
+          </a:xfrm>
+          <a:prstGeom prst="rect">
+            <a:avLst/>
+          </a:prstGeom>
+          <a:noFill/>
+        </p:spPr>
+        <p:txBody>
+          <a:bodyPr wrap="none" rtlCol="0">
+            <a:spAutoFit/>
+          </a:bodyPr>
+          <a:lstStyle/>
+          <a:p>
+            <a:r>
+              <a:rPr lang="en-US" dirty="0" smtClean="0"/>
+              <a:t>3. try-except-else-finally or try-except-finally</a:t>
+            </a:r>
           </a:p>
         </p:txBody>
       </p:sp>
       <p:pic>
         <p:nvPicPr>
-          <p:cNvPr id="4098" name="Picture 2"/>
+          <p:cNvPr id="5" name="Picture 4"/>
           <p:cNvPicPr>
-            <a:picLocks noGrp="1" noChangeAspect="1" noChangeArrowheads="1"/>
+            <a:picLocks noChangeAspect="1"/>
           </p:cNvPicPr>
-          <p:nvPr>
-            <p:ph idx="1"/>
-          </p:nvPr>
+          <p:nvPr/>
         </p:nvPicPr>
         <p:blipFill>
           <a:blip r:embed="rId2"/>
@@ -9343,25 +9970,106 @@
             <a:fillRect/>
           </a:stretch>
         </p:blipFill>
-        <p:spPr bwMode="auto">
+        <p:spPr>
           <a:xfrm>
-            <a:off x="827088" y="2670824"/>
-            <a:ext cx="6711950" cy="2959390"/>
+            <a:off x="4724400" y="1303020"/>
+            <a:ext cx="3657600" cy="3375659"/>
+          </a:xfrm>
+          <a:prstGeom prst="rect">
+            <a:avLst/>
+          </a:prstGeom>
+        </p:spPr>
+      </p:pic>
+      <p:pic>
+        <p:nvPicPr>
+          <p:cNvPr id="6" name="Picture 5"/>
+          <p:cNvPicPr>
+            <a:picLocks noChangeAspect="1"/>
+          </p:cNvPicPr>
+          <p:nvPr/>
+        </p:nvPicPr>
+        <p:blipFill>
+          <a:blip r:embed="rId3"/>
+          <a:stretch>
+            <a:fillRect/>
+          </a:stretch>
+        </p:blipFill>
+        <p:spPr>
+          <a:xfrm>
+            <a:off x="762000" y="1318260"/>
+            <a:ext cx="3733800" cy="3383279"/>
+          </a:xfrm>
+          <a:prstGeom prst="rect">
+            <a:avLst/>
+          </a:prstGeom>
+        </p:spPr>
+      </p:pic>
+      <p:sp>
+        <p:nvSpPr>
+          <p:cNvPr id="8" name="TextBox 7"/>
+          <p:cNvSpPr txBox="1"/>
+          <p:nvPr/>
+        </p:nvSpPr>
+        <p:spPr>
+          <a:xfrm>
+            <a:off x="1600200" y="4716779"/>
+            <a:ext cx="1843774" cy="369332"/>
           </a:xfrm>
           <a:prstGeom prst="rect">
             <a:avLst/>
           </a:prstGeom>
           <a:noFill/>
-          <a:ln w="9525">
-            <a:noFill/>
-            <a:miter lim="800000"/>
-            <a:headEnd/>
-            <a:tailEnd/>
-          </a:ln>
-          <a:effectLst/>
         </p:spPr>
-      </p:pic>
+        <p:txBody>
+          <a:bodyPr wrap="none" rtlCol="0">
+            <a:spAutoFit/>
+          </a:bodyPr>
+          <a:lstStyle/>
+          <a:p>
+            <a:r>
+              <a:rPr lang="en-US" dirty="0" smtClean="0"/>
+              <a:t>With Exception</a:t>
+            </a:r>
+            <a:endParaRPr lang="en-US" dirty="0"/>
+          </a:p>
+        </p:txBody>
+      </p:sp>
+      <p:sp>
+        <p:nvSpPr>
+          <p:cNvPr id="9" name="TextBox 8"/>
+          <p:cNvSpPr txBox="1"/>
+          <p:nvPr/>
+        </p:nvSpPr>
+        <p:spPr>
+          <a:xfrm>
+            <a:off x="5410200" y="4716779"/>
+            <a:ext cx="1678665" cy="369332"/>
+          </a:xfrm>
+          <a:prstGeom prst="rect">
+            <a:avLst/>
+          </a:prstGeom>
+          <a:noFill/>
+        </p:spPr>
+        <p:txBody>
+          <a:bodyPr wrap="none" rtlCol="0">
+            <a:spAutoFit/>
+          </a:bodyPr>
+          <a:lstStyle/>
+          <a:p>
+            <a:r>
+              <a:rPr lang="en-US" dirty="0" smtClean="0"/>
+              <a:t>No Exception</a:t>
+            </a:r>
+            <a:endParaRPr lang="en-US" dirty="0"/>
+          </a:p>
+        </p:txBody>
+      </p:sp>
     </p:spTree>
+    <p:extLst>
+      <p:ext uri="{BB962C8B-B14F-4D97-AF65-F5344CB8AC3E}">
+        <p14:creationId xmlns:p14="http://schemas.microsoft.com/office/powerpoint/2010/main" val="4146242961"/>
+      </p:ext>
+    </p:extLst>
   </p:cSld>
   <p:clrMapOvr>
     <a:masterClrMapping/>
@@ -9388,32 +10096,71 @@
       </p:grpSpPr>
       <p:sp>
         <p:nvSpPr>
-          <p:cNvPr id="2" name="Title 1"/>
-          <p:cNvSpPr>
-            <a:spLocks noGrp="1"/>
-          </p:cNvSpPr>
-          <p:nvPr>
-            <p:ph type="title"/>
-          </p:nvPr>
-        </p:nvSpPr>
-        <p:spPr/>
-        <p:txBody>
-          <a:bodyPr/>
-          <a:lstStyle/>
-          <a:p>
-            <a:endParaRPr lang="en-US"/>
+          <p:cNvPr id="4" name="TextBox 3"/>
+          <p:cNvSpPr txBox="1"/>
+          <p:nvPr/>
+        </p:nvSpPr>
+        <p:spPr>
+          <a:xfrm>
+            <a:off x="609600" y="685800"/>
+            <a:ext cx="4297971" cy="553998"/>
+          </a:xfrm>
+          <a:prstGeom prst="rect">
+            <a:avLst/>
+          </a:prstGeom>
+          <a:noFill/>
+        </p:spPr>
+        <p:txBody>
+          <a:bodyPr wrap="none" rtlCol="0">
+            <a:spAutoFit/>
+          </a:bodyPr>
+          <a:lstStyle/>
+          <a:p>
+            <a:r>
+              <a:rPr lang="en-US" dirty="0" smtClean="0"/>
+              <a:t>4. try-finally: </a:t>
+            </a:r>
+            <a:r>
+              <a:rPr lang="en-US" sz="1200" dirty="0">
+                <a:solidFill>
+                  <a:srgbClr val="92D050"/>
+                </a:solidFill>
+              </a:rPr>
+              <a:t>I</a:t>
+            </a:r>
+            <a:r>
+              <a:rPr lang="en-US" sz="1200" dirty="0" smtClean="0">
+                <a:solidFill>
+                  <a:srgbClr val="92D050"/>
+                </a:solidFill>
+              </a:rPr>
+              <a:t>n this combination we don’t handle </a:t>
+            </a:r>
+          </a:p>
+          <a:p>
+            <a:r>
+              <a:rPr lang="en-US" sz="1200" dirty="0" smtClean="0">
+                <a:solidFill>
+                  <a:srgbClr val="92D050"/>
+                </a:solidFill>
+              </a:rPr>
+              <a:t>the exceptions but important lines we can run.</a:t>
+            </a:r>
+            <a:endParaRPr lang="en-US" sz="1200" dirty="0">
+              <a:solidFill>
+                <a:srgbClr val="92D050"/>
+              </a:solidFill>
+            </a:endParaRPr>
           </a:p>
         </p:txBody>
       </p:sp>
       <p:pic>
         <p:nvPicPr>
-          <p:cNvPr id="5122" name="Picture 2"/>
+          <p:cNvPr id="5" name="Picture 4"/>
           <p:cNvPicPr>
-            <a:picLocks noGrp="1" noChangeAspect="1" noChangeArrowheads="1"/>
+            <a:picLocks noChangeAspect="1"/>
           </p:cNvPicPr>
-          <p:nvPr>
-            <p:ph idx="1"/>
-          </p:nvPr>
+          <p:nvPr/>
         </p:nvPicPr>
         <p:blipFill>
           <a:blip r:embed="rId2"/>
@@ -9421,25 +10168,105 @@
             <a:fillRect/>
           </a:stretch>
         </p:blipFill>
-        <p:spPr bwMode="auto">
+        <p:spPr>
           <a:xfrm>
-            <a:off x="827088" y="2657093"/>
-            <a:ext cx="6711950" cy="2986851"/>
+            <a:off x="381000" y="1524000"/>
+            <a:ext cx="3747735" cy="3623531"/>
+          </a:xfrm>
+          <a:prstGeom prst="rect">
+            <a:avLst/>
+          </a:prstGeom>
+        </p:spPr>
+      </p:pic>
+      <p:pic>
+        <p:nvPicPr>
+          <p:cNvPr id="6" name="Picture 5"/>
+          <p:cNvPicPr>
+            <a:picLocks noChangeAspect="1"/>
+          </p:cNvPicPr>
+          <p:nvPr/>
+        </p:nvPicPr>
+        <p:blipFill>
+          <a:blip r:embed="rId3"/>
+          <a:stretch>
+            <a:fillRect/>
+          </a:stretch>
+        </p:blipFill>
+        <p:spPr>
+          <a:xfrm>
+            <a:off x="4343400" y="1523999"/>
+            <a:ext cx="4191000" cy="3606775"/>
+          </a:xfrm>
+          <a:prstGeom prst="rect">
+            <a:avLst/>
+          </a:prstGeom>
+        </p:spPr>
+      </p:pic>
+      <p:sp>
+        <p:nvSpPr>
+          <p:cNvPr id="7" name="TextBox 6"/>
+          <p:cNvSpPr txBox="1"/>
+          <p:nvPr/>
+        </p:nvSpPr>
+        <p:spPr>
+          <a:xfrm>
+            <a:off x="1109897" y="5247067"/>
+            <a:ext cx="1843774" cy="369332"/>
           </a:xfrm>
           <a:prstGeom prst="rect">
             <a:avLst/>
           </a:prstGeom>
           <a:noFill/>
-          <a:ln w="9525">
-            <a:noFill/>
-            <a:miter lim="800000"/>
-            <a:headEnd/>
-            <a:tailEnd/>
-          </a:ln>
-          <a:effectLst/>
         </p:spPr>
-      </p:pic>
+        <p:txBody>
+          <a:bodyPr wrap="none" rtlCol="0">
+            <a:spAutoFit/>
+          </a:bodyPr>
+          <a:lstStyle/>
+          <a:p>
+            <a:r>
+              <a:rPr lang="en-US" dirty="0" smtClean="0"/>
+              <a:t>With Exception</a:t>
+            </a:r>
+            <a:endParaRPr lang="en-US" dirty="0"/>
+          </a:p>
+        </p:txBody>
+      </p:sp>
+      <p:sp>
+        <p:nvSpPr>
+          <p:cNvPr id="8" name="TextBox 7"/>
+          <p:cNvSpPr txBox="1"/>
+          <p:nvPr/>
+        </p:nvSpPr>
+        <p:spPr>
+          <a:xfrm>
+            <a:off x="5257800" y="5210294"/>
+            <a:ext cx="1678665" cy="369332"/>
+          </a:xfrm>
+          <a:prstGeom prst="rect">
+            <a:avLst/>
+          </a:prstGeom>
+          <a:noFill/>
+        </p:spPr>
+        <p:txBody>
+          <a:bodyPr wrap="none" rtlCol="0">
+            <a:spAutoFit/>
+          </a:bodyPr>
+          <a:lstStyle/>
+          <a:p>
+            <a:r>
+              <a:rPr lang="en-US" dirty="0" smtClean="0"/>
+              <a:t>No Exception</a:t>
+            </a:r>
+          </a:p>
+        </p:txBody>
+      </p:sp>
     </p:spTree>
+    <p:extLst>
+      <p:ext uri="{BB962C8B-B14F-4D97-AF65-F5344CB8AC3E}">
+        <p14:creationId xmlns:p14="http://schemas.microsoft.com/office/powerpoint/2010/main" val="3230853170"/>
+      </p:ext>
+    </p:extLst>
   </p:cSld>
   <p:clrMapOvr>
     <a:masterClrMapping/>
@@ -9466,128 +10293,219 @@
       </p:grpSpPr>
       <p:sp>
         <p:nvSpPr>
-          <p:cNvPr id="2" name="Title 1"/>
-          <p:cNvSpPr>
-            <a:spLocks noGrp="1"/>
-          </p:cNvSpPr>
-          <p:nvPr>
-            <p:ph type="title"/>
-          </p:nvPr>
-        </p:nvSpPr>
-        <p:spPr/>
-        <p:txBody>
-          <a:bodyPr/>
-          <a:lstStyle/>
-          <a:p>
-            <a:pPr algn="ctr"/>
-            <a:r>
-              <a:rPr lang="en-US" dirty="0" smtClean="0"/>
-              <a:t>Multiple except blocks</a:t>
-            </a:r>
+          <p:cNvPr id="2" name="TextBox 1"/>
+          <p:cNvSpPr txBox="1"/>
+          <p:nvPr/>
+        </p:nvSpPr>
+        <p:spPr>
+          <a:xfrm>
+            <a:off x="525463" y="152400"/>
+            <a:ext cx="7315200" cy="584775"/>
+          </a:xfrm>
+          <a:prstGeom prst="rect">
+            <a:avLst/>
+          </a:prstGeom>
+          <a:noFill/>
+        </p:spPr>
+        <p:txBody>
+          <a:bodyPr wrap="square" rtlCol="0">
+            <a:spAutoFit/>
+          </a:bodyPr>
+          <a:lstStyle/>
+          <a:p>
+            <a:r>
+              <a:rPr lang="en-US" sz="3200" dirty="0">
+                <a:solidFill>
+                  <a:schemeClr val="tx2"/>
+                </a:solidFill>
+                <a:latin typeface="+mj-lt"/>
+                <a:ea typeface="+mj-ea"/>
+                <a:cs typeface="+mj-cs"/>
+              </a:rPr>
+              <a:t>Standard Exception in Python3</a:t>
+            </a:r>
+          </a:p>
+        </p:txBody>
+      </p:sp>
+      <p:sp>
+        <p:nvSpPr>
+          <p:cNvPr id="3" name="Content Placeholder 2"/>
+          <p:cNvSpPr>
+            <a:spLocks noGrp="1"/>
+          </p:cNvSpPr>
+          <p:nvPr>
+            <p:ph idx="1"/>
+          </p:nvPr>
+        </p:nvSpPr>
+        <p:spPr>
+          <a:xfrm>
+            <a:off x="525462" y="990600"/>
+            <a:ext cx="6865937" cy="4648200"/>
+          </a:xfrm>
+        </p:spPr>
+        <p:txBody>
+          <a:bodyPr>
+            <a:normAutofit fontScale="25000" lnSpcReduction="20000"/>
+          </a:bodyPr>
+          <a:lstStyle/>
+          <a:p>
+            <a:pPr marL="0" indent="0">
+              <a:buNone/>
+            </a:pPr>
+            <a:r>
+              <a:rPr lang="en-US" sz="5600" b="1" dirty="0"/>
+              <a:t>Here is a list all the standard Exceptions available in Python </a:t>
+            </a:r>
+            <a:r>
+              <a:rPr lang="en-US" sz="5600" b="1" dirty="0" smtClean="0"/>
+              <a:t>−</a:t>
+            </a:r>
+            <a:endParaRPr lang="en-US" sz="5600" b="1" dirty="0"/>
+          </a:p>
+          <a:p>
+            <a:r>
+              <a:rPr lang="en-US" sz="5600" dirty="0" smtClean="0"/>
+              <a:t>Exception</a:t>
+            </a:r>
+            <a:endParaRPr lang="en-US" sz="5600" dirty="0"/>
+          </a:p>
+          <a:p>
+            <a:pPr marL="0" indent="0">
+              <a:buNone/>
+            </a:pPr>
+            <a:r>
+              <a:rPr lang="en-US" sz="5600" dirty="0"/>
+              <a:t>Base class for all </a:t>
+            </a:r>
+            <a:r>
+              <a:rPr lang="en-US" sz="5600" dirty="0" smtClean="0"/>
+              <a:t>exceptions</a:t>
+            </a:r>
+            <a:endParaRPr lang="en-US" sz="5600" dirty="0"/>
+          </a:p>
+          <a:p>
+            <a:r>
+              <a:rPr lang="en-US" sz="5600" dirty="0" smtClean="0"/>
+              <a:t>ZeroDivisionError</a:t>
+            </a:r>
+          </a:p>
+          <a:p>
+            <a:pPr marL="0" indent="0">
+              <a:buNone/>
+            </a:pPr>
+            <a:r>
+              <a:rPr lang="en-US" sz="5600" dirty="0" smtClean="0"/>
+              <a:t>Raised </a:t>
+            </a:r>
+            <a:r>
+              <a:rPr lang="en-US" sz="5600" dirty="0"/>
+              <a:t>when division or modulo by zero takes place for all numeric types.</a:t>
+            </a:r>
+          </a:p>
+          <a:p>
+            <a:r>
+              <a:rPr lang="en-US" sz="5600" dirty="0" smtClean="0"/>
+              <a:t>AttributeError</a:t>
+            </a:r>
+            <a:endParaRPr lang="en-US" sz="5600" dirty="0"/>
+          </a:p>
+          <a:p>
+            <a:pPr marL="0" indent="0">
+              <a:buNone/>
+            </a:pPr>
+            <a:r>
+              <a:rPr lang="en-US" sz="5600" dirty="0"/>
+              <a:t>Raised in case of failure of attribute reference or assignment</a:t>
+            </a:r>
+            <a:r>
+              <a:rPr lang="en-US" sz="5600" dirty="0" smtClean="0"/>
+              <a:t>.</a:t>
+            </a:r>
+            <a:endParaRPr lang="en-US" sz="5600" dirty="0"/>
+          </a:p>
+          <a:p>
+            <a:r>
+              <a:rPr lang="en-US" sz="5600" dirty="0" smtClean="0"/>
+              <a:t>EOFError</a:t>
+            </a:r>
+            <a:endParaRPr lang="en-US" sz="5600" dirty="0"/>
+          </a:p>
+          <a:p>
+            <a:pPr marL="0" indent="0">
+              <a:buNone/>
+            </a:pPr>
+            <a:r>
+              <a:rPr lang="en-US" sz="5600" dirty="0"/>
+              <a:t>Raised when there is no input from either the raw_input() or input() function and the end of file is reached</a:t>
+            </a:r>
+            <a:r>
+              <a:rPr lang="en-US" sz="5600" dirty="0" smtClean="0"/>
+              <a:t>.</a:t>
+            </a:r>
+            <a:endParaRPr lang="en-US" sz="5600" dirty="0"/>
+          </a:p>
+          <a:p>
+            <a:r>
+              <a:rPr lang="en-US" sz="5600" dirty="0" smtClean="0"/>
+              <a:t>ImportError</a:t>
+            </a:r>
+            <a:endParaRPr lang="en-US" sz="5600" dirty="0"/>
+          </a:p>
+          <a:p>
+            <a:pPr marL="0" indent="0">
+              <a:buNone/>
+            </a:pPr>
+            <a:r>
+              <a:rPr lang="en-US" sz="5600" dirty="0"/>
+              <a:t>Raised when an import statement fails</a:t>
+            </a:r>
+            <a:r>
+              <a:rPr lang="en-US" sz="5600" dirty="0" smtClean="0"/>
+              <a:t>.</a:t>
+            </a:r>
+          </a:p>
+          <a:p>
+            <a:r>
+              <a:rPr lang="en-US" sz="5600" dirty="0"/>
+              <a:t>StopIteration</a:t>
+            </a:r>
+          </a:p>
+          <a:p>
+            <a:pPr marL="0" indent="0">
+              <a:buNone/>
+            </a:pPr>
+            <a:r>
+              <a:rPr lang="en-US" sz="5600" dirty="0"/>
+              <a:t>Raised when the next() method of an iterator does not point to any object</a:t>
+            </a:r>
+            <a:r>
+              <a:rPr lang="en-US" sz="5600" dirty="0" smtClean="0"/>
+              <a:t>.</a:t>
+            </a:r>
+          </a:p>
+          <a:p>
+            <a:r>
+              <a:rPr lang="en-US" sz="5600" dirty="0"/>
+              <a:t>ArithmeticError</a:t>
+            </a:r>
+          </a:p>
+          <a:p>
+            <a:pPr marL="0" indent="0">
+              <a:buNone/>
+            </a:pPr>
+            <a:r>
+              <a:rPr lang="en-US" sz="5600" dirty="0"/>
+              <a:t>Base class for all errors that occur for numeric calculation.</a:t>
+            </a:r>
+          </a:p>
+          <a:p>
+            <a:pPr marL="0" indent="0">
+              <a:buNone/>
+            </a:pPr>
             <a:endParaRPr lang="en-US" dirty="0"/>
           </a:p>
-        </p:txBody>
-      </p:sp>
-      <p:sp>
-        <p:nvSpPr>
-          <p:cNvPr id="3" name="Content Placeholder 2"/>
-          <p:cNvSpPr>
-            <a:spLocks noGrp="1"/>
-          </p:cNvSpPr>
-          <p:nvPr>
-            <p:ph idx="1"/>
-          </p:nvPr>
-        </p:nvSpPr>
-        <p:spPr/>
-        <p:txBody>
-          <a:bodyPr/>
-          <a:lstStyle/>
-          <a:p>
-            <a:pPr>
-              <a:buNone/>
-            </a:pPr>
-            <a:r>
-              <a:rPr lang="en-US" dirty="0" smtClean="0"/>
-              <a:t>try:</a:t>
-            </a:r>
-          </a:p>
-          <a:p>
-            <a:pPr>
-              <a:buNone/>
-            </a:pPr>
-            <a:r>
-              <a:rPr lang="en-US" dirty="0" smtClean="0"/>
-              <a:t>	statement(s)</a:t>
-            </a:r>
-          </a:p>
-          <a:p>
-            <a:pPr>
-              <a:buNone/>
-            </a:pPr>
-            <a:r>
-              <a:rPr lang="en-US" dirty="0" smtClean="0"/>
-              <a:t>except Exception1:</a:t>
-            </a:r>
-          </a:p>
-          <a:p>
-            <a:pPr>
-              <a:buNone/>
-            </a:pPr>
-            <a:r>
-              <a:rPr lang="en-US" dirty="0" smtClean="0"/>
-              <a:t>	statement</a:t>
-            </a:r>
-          </a:p>
-          <a:p>
-            <a:pPr>
-              <a:buNone/>
-            </a:pPr>
-            <a:r>
-              <a:rPr lang="en-US" dirty="0" smtClean="0"/>
-              <a:t>except Exception2:</a:t>
-            </a:r>
-          </a:p>
-          <a:p>
-            <a:pPr>
-              <a:buNone/>
-            </a:pPr>
-            <a:r>
-              <a:rPr lang="en-US" dirty="0" smtClean="0"/>
-              <a:t>	statement</a:t>
-            </a:r>
-          </a:p>
-          <a:p>
-            <a:pPr>
-              <a:buNone/>
-            </a:pPr>
-            <a:r>
-              <a:rPr lang="en-US" dirty="0" smtClean="0"/>
-              <a:t>except Exception3:</a:t>
-            </a:r>
-          </a:p>
-          <a:p>
-            <a:pPr>
-              <a:buNone/>
-            </a:pPr>
-            <a:r>
-              <a:rPr lang="en-US" dirty="0" smtClean="0"/>
-              <a:t>	statement</a:t>
-            </a:r>
-          </a:p>
-          <a:p>
-            <a:pPr>
-              <a:buNone/>
-            </a:pPr>
-            <a:endParaRPr lang="en-US" dirty="0" smtClean="0"/>
-          </a:p>
-          <a:p>
-            <a:pPr>
-              <a:buNone/>
-            </a:pPr>
-            <a:endParaRPr lang="en-US" dirty="0" smtClean="0"/>
-          </a:p>
-          <a:p>
-            <a:pPr>
+          <a:p>
+            <a:pPr marL="0" indent="0">
               <a:buNone/>
             </a:pPr>
             <a:endParaRPr lang="en-US" dirty="0"/>
@@ -9629,138 +10547,181 @@
             <p:ph type="title"/>
           </p:nvPr>
         </p:nvSpPr>
-        <p:spPr/>
+        <p:spPr>
+          <a:xfrm>
+            <a:off x="328087" y="152400"/>
+            <a:ext cx="7055380" cy="1400530"/>
+          </a:xfrm>
+        </p:spPr>
+        <p:txBody>
+          <a:bodyPr/>
+          <a:lstStyle/>
+          <a:p>
+            <a:r>
+              <a:rPr lang="en-US" sz="3200" dirty="0" smtClean="0"/>
+              <a:t>Continue…</a:t>
+            </a:r>
+            <a:endParaRPr lang="en-US" sz="3200" dirty="0"/>
+          </a:p>
+        </p:txBody>
+      </p:sp>
+      <p:sp>
+        <p:nvSpPr>
+          <p:cNvPr id="3" name="Content Placeholder 2"/>
+          <p:cNvSpPr>
+            <a:spLocks noGrp="1"/>
+          </p:cNvSpPr>
+          <p:nvPr>
+            <p:ph idx="1"/>
+          </p:nvPr>
+        </p:nvSpPr>
+        <p:spPr>
+          <a:xfrm>
+            <a:off x="499950" y="990600"/>
+            <a:ext cx="8034450" cy="4572000"/>
+          </a:xfrm>
+        </p:spPr>
         <p:txBody>
           <a:bodyPr>
-            <a:normAutofit/>
+            <a:normAutofit fontScale="55000" lnSpcReduction="20000"/>
           </a:bodyPr>
           <a:lstStyle/>
           <a:p>
             <a:r>
-              <a:rPr lang="en-US" sz="3200" dirty="0" smtClean="0"/>
-              <a:t>Multiple Exceptions in a Single except block</a:t>
-            </a:r>
-            <a:endParaRPr lang="en-US" sz="3200" dirty="0"/>
-          </a:p>
-        </p:txBody>
-      </p:sp>
-      <p:sp>
-        <p:nvSpPr>
-          <p:cNvPr id="3" name="Content Placeholder 2"/>
-          <p:cNvSpPr>
-            <a:spLocks noGrp="1"/>
-          </p:cNvSpPr>
-          <p:nvPr>
-            <p:ph idx="1"/>
-          </p:nvPr>
-        </p:nvSpPr>
-        <p:spPr/>
-        <p:txBody>
-          <a:bodyPr/>
-          <a:lstStyle/>
-          <a:p>
-            <a:pPr>
-              <a:buNone/>
-            </a:pPr>
-            <a:r>
-              <a:rPr lang="en-US" dirty="0" smtClean="0"/>
-              <a:t>try:</a:t>
-            </a:r>
-          </a:p>
-          <a:p>
-            <a:pPr>
-              <a:buNone/>
-            </a:pPr>
-            <a:r>
               <a:rPr lang="en-US" dirty="0"/>
-              <a:t>	</a:t>
-            </a:r>
-            <a:r>
-              <a:rPr lang="en-US" dirty="0" smtClean="0"/>
-              <a:t>n=</a:t>
-            </a:r>
-            <a:r>
-              <a:rPr lang="en-US" dirty="0" err="1" smtClean="0"/>
-              <a:t>int</a:t>
-            </a:r>
-            <a:r>
-              <a:rPr lang="en-US" dirty="0" smtClean="0"/>
-              <a:t>(input</a:t>
-            </a:r>
-            <a:r>
-              <a:rPr lang="en-US" dirty="0" smtClean="0"/>
-              <a:t>(‘Enter the number’))</a:t>
-            </a:r>
-          </a:p>
-          <a:p>
-            <a:pPr>
+              <a:t>KeyboardInterrupt</a:t>
+            </a:r>
+          </a:p>
+          <a:p>
+            <a:pPr marL="0" indent="0">
               <a:buNone/>
             </a:pPr>
             <a:r>
               <a:rPr lang="en-US" dirty="0"/>
-              <a:t>	</a:t>
-            </a:r>
-            <a:r>
-              <a:rPr lang="en-US" dirty="0" smtClean="0"/>
-              <a:t>print(n</a:t>
-            </a:r>
-            <a:r>
-              <a:rPr lang="en-US" dirty="0" smtClean="0"/>
-              <a:t>**2)</a:t>
-            </a:r>
-          </a:p>
-          <a:p>
-            <a:pPr>
-              <a:buNone/>
-            </a:pPr>
-            <a:r>
-              <a:rPr lang="en-US" dirty="0" smtClean="0"/>
-              <a:t>except (</a:t>
-            </a:r>
-            <a:r>
-              <a:rPr lang="en-US" dirty="0" err="1" smtClean="0"/>
-              <a:t>KeyboardInterrupt</a:t>
-            </a:r>
-            <a:r>
-              <a:rPr lang="en-US" dirty="0" smtClean="0"/>
-              <a:t>, </a:t>
-            </a:r>
-            <a:r>
-              <a:rPr lang="en-US" dirty="0" err="1" smtClean="0"/>
-              <a:t>ValueError,TypeError</a:t>
-            </a:r>
-            <a:r>
-              <a:rPr lang="en-US" dirty="0" smtClean="0"/>
-              <a:t>):</a:t>
-            </a:r>
-          </a:p>
-          <a:p>
-            <a:pPr>
-              <a:buNone/>
-            </a:pPr>
-            <a:r>
-              <a:rPr lang="en-US" dirty="0" smtClean="0"/>
-              <a:t>	print(“Please Check before you enter”)</a:t>
-            </a:r>
-          </a:p>
-          <a:p>
-            <a:pPr>
-              <a:buNone/>
-            </a:pPr>
-            <a:r>
-              <a:rPr lang="en-US" dirty="0" smtClean="0"/>
-              <a:t>print(“Bye”)</a:t>
-            </a:r>
-          </a:p>
-          <a:p>
-            <a:pPr>
-              <a:buNone/>
-            </a:pPr>
+              <a:t>Raised when the user interrupts program execution, usually by pressing Ctrl+c.</a:t>
+            </a:r>
+          </a:p>
+          <a:p>
+            <a:r>
+              <a:rPr lang="en-US" dirty="0"/>
+              <a:t>IndexError</a:t>
+            </a:r>
+          </a:p>
+          <a:p>
+            <a:pPr marL="0" indent="0">
+              <a:buNone/>
+            </a:pPr>
+            <a:r>
+              <a:rPr lang="en-US" dirty="0"/>
+              <a:t>Raised when an index is not found in a sequence.</a:t>
+            </a:r>
+          </a:p>
+          <a:p>
+            <a:r>
+              <a:rPr lang="en-US" dirty="0"/>
+              <a:t>KeyError</a:t>
+            </a:r>
+          </a:p>
+          <a:p>
+            <a:pPr marL="0" indent="0">
+              <a:buNone/>
+            </a:pPr>
+            <a:r>
+              <a:rPr lang="en-US" dirty="0"/>
+              <a:t>Raised when the specified key is not found in the dictionary.</a:t>
+            </a:r>
+          </a:p>
+          <a:p>
+            <a:r>
+              <a:rPr lang="en-US" dirty="0"/>
+              <a:t>NameError</a:t>
+            </a:r>
+          </a:p>
+          <a:p>
+            <a:pPr marL="0" indent="0">
+              <a:buNone/>
+            </a:pPr>
+            <a:r>
+              <a:rPr lang="en-US" dirty="0"/>
+              <a:t>Raised when an identifier is not found in the local or global namespace.</a:t>
+            </a:r>
+          </a:p>
+          <a:p>
+            <a:r>
+              <a:rPr lang="en-US" dirty="0"/>
+              <a:t>UnboundLocalError</a:t>
+            </a:r>
+          </a:p>
+          <a:p>
+            <a:r>
+              <a:rPr lang="en-US" dirty="0"/>
+              <a:t>Raised when trying to access a local variable in a function or method but no value has been assigned to it.</a:t>
+            </a:r>
+          </a:p>
+          <a:p>
+            <a:r>
+              <a:rPr lang="en-US" dirty="0"/>
+              <a:t>IOError</a:t>
+            </a:r>
+          </a:p>
+          <a:p>
+            <a:pPr marL="0" indent="0">
+              <a:buNone/>
+            </a:pPr>
+            <a:r>
+              <a:rPr lang="en-US" dirty="0"/>
+              <a:t>Raised when an input/ output operation fails, such as the print statement or the open() function when trying to open a file that does not exist</a:t>
+            </a:r>
+          </a:p>
+          <a:p>
+            <a:r>
+              <a:rPr lang="en-US" dirty="0"/>
+              <a:t>TypeError</a:t>
+            </a:r>
+          </a:p>
+          <a:p>
+            <a:pPr marL="0" indent="0">
+              <a:buNone/>
+            </a:pPr>
+            <a:r>
+              <a:rPr lang="en-US" dirty="0"/>
+              <a:t>Raised when an operation or function is attempted that is invalid for the specified data type</a:t>
+            </a:r>
+            <a:r>
+              <a:rPr lang="en-US" dirty="0" smtClean="0"/>
+              <a:t>.</a:t>
+            </a:r>
             <a:endParaRPr lang="en-US" dirty="0"/>
           </a:p>
+          <a:p>
+            <a:r>
+              <a:rPr lang="en-US" dirty="0" smtClean="0"/>
+              <a:t>ValueError</a:t>
+            </a:r>
+            <a:endParaRPr lang="en-US" dirty="0"/>
+          </a:p>
+          <a:p>
+            <a:pPr marL="0" indent="0">
+              <a:buNone/>
+            </a:pPr>
+            <a:r>
+              <a:rPr lang="en-US" dirty="0"/>
+              <a:t>Raised when the built-in function for a data type has the valid type of arguments, but the arguments have invalid values specified</a:t>
+            </a:r>
+            <a:r>
+              <a:rPr lang="en-US" dirty="0" smtClean="0"/>
+              <a:t>.</a:t>
+            </a:r>
+            <a:endParaRPr lang="en-US" dirty="0"/>
+          </a:p>
         </p:txBody>
       </p:sp>
     </p:spTree>
+    <p:extLst>
+      <p:ext uri="{BB962C8B-B14F-4D97-AF65-F5344CB8AC3E}">
+        <p14:creationId xmlns:p14="http://schemas.microsoft.com/office/powerpoint/2010/main" val="4221125677"/>
+      </p:ext>
+    </p:extLst>
   </p:cSld>
   <p:clrMapOvr>
     <a:masterClrMapping/>
@@ -9795,72 +10756,40 @@
             <p:ph type="title"/>
           </p:nvPr>
         </p:nvSpPr>
+        <p:spPr>
+          <a:xfrm>
+            <a:off x="152400" y="76200"/>
+            <a:ext cx="7055380" cy="1400530"/>
+          </a:xfrm>
+        </p:spPr>
+        <p:txBody>
+          <a:bodyPr/>
+          <a:lstStyle/>
+          <a:p>
+            <a:pPr algn="ctr"/>
+            <a:r>
+              <a:rPr lang="en-US" dirty="0" smtClean="0"/>
+              <a:t>Multiple except blocks</a:t>
+            </a:r>
+            <a:endParaRPr lang="en-US" dirty="0"/>
+          </a:p>
+        </p:txBody>
+      </p:sp>
+      <p:sp>
+        <p:nvSpPr>
+          <p:cNvPr id="3" name="Content Placeholder 2"/>
+          <p:cNvSpPr>
+            <a:spLocks noGrp="1"/>
+          </p:cNvSpPr>
+          <p:nvPr>
+            <p:ph idx="1"/>
+          </p:nvPr>
+        </p:nvSpPr>
         <p:spPr/>
         <p:txBody>
           <a:bodyPr/>
           <a:lstStyle/>
           <a:p>
-            <a:r>
-              <a:rPr lang="en-US" dirty="0" smtClean="0"/>
-              <a:t>1. </a:t>
-            </a:r>
-            <a:r>
-              <a:rPr lang="en-US" dirty="0" err="1" smtClean="0"/>
-              <a:t>ZeroDivisionError</a:t>
-            </a:r>
-            <a:endParaRPr lang="en-US" dirty="0"/>
-          </a:p>
-        </p:txBody>
-      </p:sp>
-      <p:sp>
-        <p:nvSpPr>
-          <p:cNvPr id="3" name="Content Placeholder 2"/>
-          <p:cNvSpPr>
-            <a:spLocks noGrp="1"/>
-          </p:cNvSpPr>
-          <p:nvPr>
-            <p:ph idx="1"/>
-          </p:nvPr>
-        </p:nvSpPr>
-        <p:spPr/>
-        <p:txBody>
-          <a:bodyPr/>
-          <a:lstStyle/>
-          <a:p>
-            <a:pPr>
-              <a:buNone/>
-            </a:pPr>
-            <a:r>
-              <a:rPr lang="en-US" dirty="0" smtClean="0"/>
-              <a:t> a=</a:t>
-            </a:r>
-            <a:r>
-              <a:rPr lang="en-US" dirty="0" err="1" smtClean="0"/>
-              <a:t>int</a:t>
-            </a:r>
-            <a:r>
-              <a:rPr lang="en-US" dirty="0" smtClean="0"/>
-              <a:t>(input(‘Enter the number’))</a:t>
-            </a:r>
-          </a:p>
-          <a:p>
-            <a:pPr>
-              <a:buNone/>
-            </a:pPr>
-            <a:r>
-              <a:rPr lang="en-US" dirty="0" smtClean="0"/>
-              <a:t> b=</a:t>
-            </a:r>
-            <a:r>
-              <a:rPr lang="en-US" dirty="0" err="1" smtClean="0"/>
-              <a:t>int</a:t>
-            </a:r>
-            <a:r>
-              <a:rPr lang="en-US" dirty="0" smtClean="0"/>
-              <a:t>(input(‘Enter the number’))</a:t>
-            </a:r>
-          </a:p>
-          <a:p>
             <a:pPr>
               <a:buNone/>
             </a:pPr>
@@ -9875,52 +10804,74 @@
             </a:pPr>
             <a:r>
               <a:rPr lang="en-US" dirty="0" smtClean="0"/>
-              <a:t>    c=a/b</a:t>
-            </a:r>
-          </a:p>
-          <a:p>
-            <a:pPr>
-              <a:buNone/>
-            </a:pPr>
-            <a:r>
-              <a:rPr lang="en-US" dirty="0" smtClean="0"/>
-              <a:t>	 print(c)</a:t>
-            </a:r>
-          </a:p>
-          <a:p>
-            <a:pPr>
-              <a:buNone/>
-            </a:pPr>
-            <a:r>
-              <a:rPr lang="en-US" dirty="0" smtClean="0"/>
-              <a:t>except </a:t>
-            </a:r>
-            <a:r>
-              <a:rPr lang="en-US" dirty="0" err="1" smtClean="0"/>
-              <a:t>ZeroDivisionError</a:t>
-            </a:r>
-            <a:r>
-              <a:rPr lang="en-US" dirty="0" smtClean="0"/>
-              <a:t> as e:</a:t>
-            </a:r>
-          </a:p>
-          <a:p>
-            <a:pPr>
-              <a:buNone/>
-            </a:pPr>
-            <a:r>
-              <a:rPr lang="en-US" dirty="0" smtClean="0"/>
-              <a:t>	print(“Please Check Denominator ”,e)</a:t>
-            </a:r>
-          </a:p>
-          <a:p>
-            <a:pPr>
-              <a:buNone/>
-            </a:pPr>
-            <a:r>
-              <a:rPr lang="en-US" dirty="0" smtClean="0"/>
-              <a:t>print(“Bye”)</a:t>
-            </a:r>
+              <a:t>	statement(s)</a:t>
+            </a:r>
+          </a:p>
+          <a:p>
+            <a:pPr>
+              <a:buNone/>
+            </a:pPr>
+            <a:r>
+              <a:rPr lang="en-US" dirty="0" smtClean="0"/>
+              <a:t>except Exception1:</a:t>
+            </a:r>
+          </a:p>
+          <a:p>
+            <a:pPr>
+              <a:buNone/>
+            </a:pPr>
+            <a:r>
+              <a:rPr lang="en-US" dirty="0" smtClean="0"/>
+              <a:t>	statement</a:t>
+            </a:r>
+          </a:p>
+          <a:p>
+            <a:pPr>
+              <a:buNone/>
+            </a:pPr>
+            <a:r>
+              <a:rPr lang="en-US" dirty="0" smtClean="0"/>
+              <a:t>except Exception2:</a:t>
+            </a:r>
+          </a:p>
+          <a:p>
+            <a:pPr>
+              <a:buNone/>
+            </a:pPr>
+            <a:r>
+              <a:rPr lang="en-US" dirty="0" smtClean="0"/>
+              <a:t>	statement</a:t>
+            </a:r>
+          </a:p>
+          <a:p>
+            <a:pPr>
+              <a:buNone/>
+            </a:pPr>
+            <a:r>
+              <a:rPr lang="en-US" dirty="0" smtClean="0"/>
+              <a:t>except Exception3:</a:t>
+            </a:r>
+          </a:p>
+          <a:p>
+            <a:pPr>
+              <a:buNone/>
+            </a:pPr>
+            <a:r>
+              <a:rPr lang="en-US" dirty="0" smtClean="0"/>
+              <a:t>	statement</a:t>
+            </a:r>
+          </a:p>
+          <a:p>
+            <a:pPr>
+              <a:buNone/>
+            </a:pPr>
+            <a:endParaRPr lang="en-US" dirty="0" smtClean="0"/>
+          </a:p>
+          <a:p>
+            <a:pPr>
+              <a:buNone/>
+            </a:pPr>
+            <a:endParaRPr lang="en-US" dirty="0" smtClean="0"/>
           </a:p>
           <a:p>
             <a:pPr>
@@ -10202,4 +11153,265 @@
     </a:ext>
   </a:extLst>
 </a:theme>
+</file>
+
+<file path=ppt/theme/theme2.xml><?xml version="1.0" encoding="utf-8"?>
+<a:theme xmlns:a="http://schemas.openxmlformats.org/drawingml/2006/main" name="Office Theme">
+  <a:themeElements>
+    <a:clrScheme name="Office">
+      <a:dk1>
+        <a:sysClr val="windowText" lastClr="000000"/>
+      </a:dk1>
+      <a:lt1>
+        <a:sysClr val="window" lastClr="FFFFFF"/>
+      </a:lt1>
+      <a:dk2>
+        <a:srgbClr val="44546A"/>
+      </a:dk2>
+      <a:lt2>
+        <a:srgbClr val="E7E6E6"/>
+      </a:lt2>
+      <a:accent1>
+        <a:srgbClr val="5B9BD5"/>
+      </a:accent1>
+      <a:accent2>
+        <a:srgbClr val="ED7D31"/>
+      </a:accent2>
+      <a:accent3>
+        <a:srgbClr val="A5A5A5"/>
+      </a:accent3>
+      <a:accent4>
+        <a:srgbClr val="FFC000"/>
+      </a:accent4>
+      <a:accent5>
+        <a:srgbClr val="4472C4"/>
+      </a:accent5>
+      <a:accent6>
+        <a:srgbClr val="70AD47"/>
+      </a:accent6>
+      <a:hlink>
+        <a:srgbClr val="0563C1"/>
+      </a:hlink>
+      <a:folHlink>
+        <a:srgbClr val="954F72"/>
+      </a:folHlink>
+    </a:clrScheme>
+    <a:fontScheme name="Office">
+      <a:majorFont>
+        <a:latin typeface="Calibri Light" panose="020F0302020204030204"/>
+        <a:ea typeface=""/>
+        <a:cs typeface=""/>
+        <a:font script="Jpan" typeface="ＭＳ Ｐゴシック"/>
+        <a:font script="Hang" typeface="맑은 고딕"/>
+        <a:font script="Hans" typeface="宋体"/>
+        <a:font script="Hant" typeface="新細明體"/>
+        <a:font script="Arab" typeface="Times New Roman"/>
+        <a:font script="Hebr" typeface="Times New Roman"/>
+        <a:font script="Thai" typeface="Angsana New"/>
+        <a:font script="Ethi" typeface="Nyala"/>
+        <a:font script="Beng" typeface="Vrinda"/>
+        <a:font script="Gujr" typeface="Shruti"/>
+        <a:font script="Khmr" typeface="MoolBoran"/>
+        <a:font script="Knda" typeface="Tunga"/>
+        <a:font script="Guru" typeface="Raavi"/>
+        <a:font script="Cans" typeface="Euphemia"/>
+        <a:font script="Cher" typeface="Plantagenet Cherokee"/>
+        <a:font script="Yiii" typeface="Microsoft Yi Baiti"/>
+        <a:font script="Tibt" typeface="Microsoft Himalaya"/>
+        <a:font script="Thaa" typeface="MV Boli"/>
+        <a:font script="Deva" typeface="Mangal"/>
+        <a:font script="Telu" typeface="Gautami"/>
+        <a:font script="Taml" typeface="Latha"/>
+        <a:font script="Syrc" typeface="Estrangelo Edessa"/>
+        <a:font script="Orya" typeface="Kalinga"/>
+        <a:font script="Mlym" typeface="Kartika"/>
+        <a:font script="Laoo" typeface="DokChampa"/>
+        <a:font script="Sinh" typeface="Iskoola Pota"/>
+        <a:font script="Mong" typeface="Mongolian Baiti"/>
+        <a:font script="Viet" typeface="Times New Roman"/>
+        <a:font script="Uigh" typeface="Microsoft Uighur"/>
+        <a:font script="Geor" typeface="Sylfaen"/>
+      </a:majorFont>
+      <a:minorFont>
+        <a:latin typeface="Calibri" panose="020F0502020204030204"/>
+        <a:ea typeface=""/>
+        <a:cs typeface=""/>
+        <a:font script="Jpan" typeface="ＭＳ Ｐゴシック"/>
+        <a:font script="Hang" typeface="맑은 고딕"/>
+        <a:font script="Hans" typeface="宋体"/>
+        <a:font script="Hant" typeface="新細明體"/>
+        <a:font script="Arab" typeface="Arial"/>
+        <a:font script="Hebr" typeface="Arial"/>
+        <a:font script="Thai" typeface="Cordia New"/>
+        <a:font script="Ethi" typeface="Nyala"/>
+        <a:font script="Beng" typeface="Vrinda"/>
+        <a:font script="Gujr" typeface="Shruti"/>
+        <a:font script="Khmr" typeface="DaunPenh"/>
+        <a:font script="Knda" typeface="Tunga"/>
+        <a:font script="Guru" typeface="Raavi"/>
+        <a:font script="Cans" typeface="Euphemia"/>
+        <a:font script="Cher" typeface="Plantagenet Cherokee"/>
+        <a:font script="Yiii" typeface="Microsoft Yi Baiti"/>
+        <a:font script="Tibt" typeface="Microsoft Himalaya"/>
+        <a:font script="Thaa" typeface="MV Boli"/>
+        <a:font script="Deva" typeface="Mangal"/>
+        <a:font script="Telu" typeface="Gautami"/>
+        <a:font script="Taml" typeface="Latha"/>
+        <a:font script="Syrc" typeface="Estrangelo Edessa"/>
+        <a:font script="Orya" typeface="Kalinga"/>
+        <a:font script="Mlym" typeface="Kartika"/>
+        <a:font script="Laoo" typeface="DokChampa"/>
+        <a:font script="Sinh" typeface="Iskoola Pota"/>
+        <a:font script="Mong" typeface="Mongolian Baiti"/>
+        <a:font script="Viet" typeface="Arial"/>
+        <a:font script="Uigh" typeface="Microsoft Uighur"/>
+        <a:font script="Geor" typeface="Sylfaen"/>
+      </a:minorFont>
+    </a:fontScheme>
+    <a:fmtScheme name="Office">
+      <a:fillStyleLst>
+        <a:solidFill>
+          <a:schemeClr val="phClr"/>
+        </a:solidFill>
+        <a:gradFill rotWithShape="1">
+          <a:gsLst>
+            <a:gs pos="0">
+              <a:schemeClr val="phClr">
+                <a:lumMod val="110000"/>
+                <a:satMod val="105000"/>
+                <a:tint val="67000"/>
+              </a:schemeClr>
+            </a:gs>
+            <a:gs pos="50000">
+              <a:schemeClr val="phClr">
+                <a:lumMod val="105000"/>
+                <a:satMod val="103000"/>
+                <a:tint val="73000"/>
+              </a:schemeClr>
+            </a:gs>
+            <a:gs pos="100000">
+              <a:schemeClr val="phClr">
+                <a:lumMod val="105000"/>
+                <a:satMod val="109000"/>
+                <a:tint val="81000"/>
+              </a:schemeClr>
+            </a:gs>
+          </a:gsLst>
+          <a:lin ang="5400000" scaled="0"/>
+        </a:gradFill>
+        <a:gradFill rotWithShape="1">
+          <a:gsLst>
+            <a:gs pos="0">
+              <a:schemeClr val="phClr">
+                <a:satMod val="103000"/>
+                <a:lumMod val="102000"/>
+                <a:tint val="94000"/>
+              </a:schemeClr>
+            </a:gs>
+            <a:gs pos="50000">
+              <a:schemeClr val="phClr">
+                <a:satMod val="110000"/>
+                <a:lumMod val="100000"/>
+                <a:shade val="100000"/>
+              </a:schemeClr>
+            </a:gs>
+            <a:gs pos="100000">
+              <a:schemeClr val="phClr">
+                <a:lumMod val="99000"/>
+                <a:satMod val="120000"/>
+                <a:shade val="78000"/>
+              </a:schemeClr>
+            </a:gs>
+          </a:gsLst>
+          <a:lin ang="5400000" scaled="0"/>
+        </a:gradFill>
+      </a:fillStyleLst>
+      <a:lnStyleLst>
+        <a:ln w="6350" cap="flat" cmpd="sng" algn="ctr">
+          <a:solidFill>
+            <a:schemeClr val="phClr"/>
+          </a:solidFill>
+          <a:prstDash val="solid"/>
+          <a:miter lim="800000"/>
+        </a:ln>
+        <a:ln w="12700" cap="flat" cmpd="sng" algn="ctr">
+          <a:solidFill>
+            <a:schemeClr val="phClr"/>
+          </a:solidFill>
+          <a:prstDash val="solid"/>
+          <a:miter lim="800000"/>
+        </a:ln>
+        <a:ln w="19050" cap="flat" cmpd="sng" algn="ctr">
+          <a:solidFill>
+            <a:schemeClr val="phClr"/>
+          </a:solidFill>
+          <a:prstDash val="solid"/>
+          <a:miter lim="800000"/>
+        </a:ln>
+      </a:lnStyleLst>
+      <a:effectStyleLst>
+        <a:effectStyle>
+          <a:effectLst/>
+        </a:effectStyle>
+        <a:effectStyle>
+          <a:effectLst/>
+        </a:effectStyle>
+        <a:effectStyle>
+          <a:effectLst>
+            <a:outerShdw blurRad="57150" dist="19050" dir="5400000" algn="ctr" rotWithShape="0">
+              <a:srgbClr val="000000">
+                <a:alpha val="63000"/>
+              </a:srgbClr>
+            </a:outerShdw>
+          </a:effectLst>
+        </a:effectStyle>
+      </a:effectStyleLst>
+      <a:bgFillStyleLst>
+        <a:solidFill>
+          <a:schemeClr val="phClr"/>
+        </a:solidFill>
+        <a:solidFill>
+          <a:schemeClr val="phClr">
+            <a:tint val="95000"/>
+            <a:satMod val="170000"/>
+          </a:schemeClr>
+        </a:solidFill>
+        <a:gradFill rotWithShape="1">
+          <a:gsLst>
+            <a:gs pos="0">
+              <a:schemeClr val="phClr">
+                <a:tint val="93000"/>
+                <a:satMod val="150000"/>
+                <a:shade val="98000"/>
+                <a:lumMod val="102000"/>
+              </a:schemeClr>
+            </a:gs>
+            <a:gs pos="50000">
+              <a:schemeClr val="phClr">
+                <a:tint val="98000"/>
+                <a:satMod val="130000"/>
+                <a:shade val="90000"/>
+                <a:lumMod val="103000"/>
+              </a:schemeClr>
+            </a:gs>
+            <a:gs pos="100000">
+              <a:schemeClr val="phClr">
+                <a:shade val="63000"/>
+                <a:satMod val="120000"/>
+              </a:schemeClr>
+            </a:gs>
+          </a:gsLst>
+          <a:lin ang="5400000" scaled="0"/>
+        </a:gradFill>
+      </a:bgFillStyleLst>
+    </a:fmtScheme>
+  </a:themeElements>
+  <a:objectDefaults/>
+  <a:extraClrSchemeLst/>
+  <a:extLst>
+    <a:ext uri="{05A4C25C-085E-4340-85A3-A5531E510DB2}">
+      <thm15:themeFamily xmlns:thm15="http://schemas.microsoft.com/office/thememl/2012/main" name="Office Theme" id="{62F939B6-93AF-4DB8-9C6B-D6C7DFDC589F}" vid="{4A3C46E8-61CC-4603-A589-7422A47A8E4A}"/>
+    </a:ext>
+  </a:extLst>
+</a:theme>
 </file>